--- a/Slides-RPR/2019-H1-DAA-L35-DynProg-Knapsack.pptx
+++ b/Slides-RPR/2019-H1-DAA-L35-DynProg-Knapsack.pptx
@@ -2211,28 +2211,6 @@
               <a:lnSpc>
                 <a:spcPct val="95000"/>
               </a:lnSpc>
-            </a:pPr>
-            <a:r>
-              <a:rPr>
-                <a:latin typeface="Arial"/>
-                <a:ea typeface="Arial"/>
-                <a:cs typeface="Arial"/>
-                <a:sym typeface="Arial"/>
-              </a:rPr>
-              <a:t>&amp; Memory Functions</a:t>
-            </a:r>
-            <a:endParaRPr>
-              <a:latin typeface="Arial"/>
-              <a:ea typeface="Arial"/>
-              <a:cs typeface="Arial"/>
-              <a:sym typeface="Arial"/>
-            </a:endParaRPr>
-          </a:p>
-          <a:p>
-            <a:pPr marL="0" marR="0">
-              <a:lnSpc>
-                <a:spcPct val="95000"/>
-              </a:lnSpc>
               <a:defRPr sz="3600"/>
             </a:pPr>
             <a:r>
@@ -2502,7 +2480,7 @@
       </p:grpSpPr>
       <p:sp>
         <p:nvSpPr>
-          <p:cNvPr id="133" name="Slide Number"/>
+          <p:cNvPr id="136" name="Slide Number"/>
           <p:cNvSpPr txBox="1"/>
           <p:nvPr>
             <p:ph type="sldNum" sz="quarter" idx="2"/>
@@ -2529,7 +2507,7 @@
       </p:sp>
       <p:sp>
         <p:nvSpPr>
-          <p:cNvPr id="134" name="DAA/Dynamic Programming"/>
+          <p:cNvPr id="137" name="DAA/Dynamic Programming"/>
           <p:cNvSpPr txBox="1"/>
           <p:nvPr/>
         </p:nvSpPr>
@@ -2569,7 +2547,7 @@
       </p:sp>
       <p:sp>
         <p:nvSpPr>
-          <p:cNvPr id="135" name="RPR/"/>
+          <p:cNvPr id="138" name="RPR/"/>
           <p:cNvSpPr txBox="1"/>
           <p:nvPr/>
         </p:nvSpPr>
@@ -2609,7 +2587,7 @@
       </p:sp>
       <p:graphicFrame>
         <p:nvGraphicFramePr>
-          <p:cNvPr id="136" name="Table"/>
+          <p:cNvPr id="139" name="Table"/>
           <p:cNvGraphicFramePr/>
           <p:nvPr/>
         </p:nvGraphicFramePr>
@@ -4460,7 +4438,7 @@
       </p:graphicFrame>
       <p:sp>
         <p:nvSpPr>
-          <p:cNvPr id="137" name="V[2,2]=max{V[1,2], 10+V[1,2-1]}; j=2≥w2=1…"/>
+          <p:cNvPr id="140" name="V[2,2]=max{V[1,2], 10+V[1,2-1]}; j=2≥w2=1…"/>
           <p:cNvSpPr txBox="1"/>
           <p:nvPr>
             <p:ph type="body" idx="1"/>
@@ -4654,7 +4632,7 @@
       </p:sp>
       <p:grpSp>
         <p:nvGrpSpPr>
-          <p:cNvPr id="144" name="Group"/>
+          <p:cNvPr id="147" name="Group"/>
           <p:cNvGrpSpPr/>
           <p:nvPr/>
         </p:nvGrpSpPr>
@@ -4668,7 +4646,7 @@
         </p:grpSpPr>
         <p:sp>
           <p:nvSpPr>
-            <p:cNvPr id="138" name="0"/>
+            <p:cNvPr id="141" name="0"/>
             <p:cNvSpPr txBox="1"/>
             <p:nvPr/>
           </p:nvSpPr>
@@ -4716,7 +4694,7 @@
         </p:sp>
         <p:sp>
           <p:nvSpPr>
-            <p:cNvPr id="139" name="0"/>
+            <p:cNvPr id="142" name="0"/>
             <p:cNvSpPr txBox="1"/>
             <p:nvPr/>
           </p:nvSpPr>
@@ -4764,7 +4742,7 @@
         </p:sp>
         <p:sp>
           <p:nvSpPr>
-            <p:cNvPr id="140" name="0"/>
+            <p:cNvPr id="143" name="0"/>
             <p:cNvSpPr txBox="1"/>
             <p:nvPr/>
           </p:nvSpPr>
@@ -4812,7 +4790,7 @@
         </p:sp>
         <p:sp>
           <p:nvSpPr>
-            <p:cNvPr id="141" name="0"/>
+            <p:cNvPr id="144" name="0"/>
             <p:cNvSpPr txBox="1"/>
             <p:nvPr/>
           </p:nvSpPr>
@@ -4860,7 +4838,7 @@
         </p:sp>
         <p:sp>
           <p:nvSpPr>
-            <p:cNvPr id="142" name="0"/>
+            <p:cNvPr id="145" name="0"/>
             <p:cNvSpPr txBox="1"/>
             <p:nvPr/>
           </p:nvSpPr>
@@ -4908,7 +4886,7 @@
         </p:sp>
         <p:sp>
           <p:nvSpPr>
-            <p:cNvPr id="143" name="0"/>
+            <p:cNvPr id="146" name="0"/>
             <p:cNvSpPr txBox="1"/>
             <p:nvPr/>
           </p:nvSpPr>
@@ -4957,7 +4935,7 @@
       </p:grpSp>
       <p:grpSp>
         <p:nvGrpSpPr>
-          <p:cNvPr id="149" name="Group"/>
+          <p:cNvPr id="152" name="Group"/>
           <p:cNvGrpSpPr/>
           <p:nvPr/>
         </p:nvGrpSpPr>
@@ -4971,7 +4949,7 @@
         </p:grpSpPr>
         <p:sp>
           <p:nvSpPr>
-            <p:cNvPr id="145" name="0"/>
+            <p:cNvPr id="148" name="0"/>
             <p:cNvSpPr txBox="1"/>
             <p:nvPr/>
           </p:nvSpPr>
@@ -5019,7 +4997,7 @@
         </p:sp>
         <p:sp>
           <p:nvSpPr>
-            <p:cNvPr id="146" name="0"/>
+            <p:cNvPr id="149" name="0"/>
             <p:cNvSpPr txBox="1"/>
             <p:nvPr/>
           </p:nvSpPr>
@@ -5067,7 +5045,7 @@
         </p:sp>
         <p:sp>
           <p:nvSpPr>
-            <p:cNvPr id="147" name="0"/>
+            <p:cNvPr id="150" name="0"/>
             <p:cNvSpPr txBox="1"/>
             <p:nvPr/>
           </p:nvSpPr>
@@ -5115,7 +5093,7 @@
         </p:sp>
         <p:sp>
           <p:nvSpPr>
-            <p:cNvPr id="148" name="0"/>
+            <p:cNvPr id="151" name="0"/>
             <p:cNvSpPr txBox="1"/>
             <p:nvPr/>
           </p:nvSpPr>
@@ -5164,7 +5142,7 @@
       </p:grpSp>
       <p:sp>
         <p:nvSpPr>
-          <p:cNvPr id="150" name="0"/>
+          <p:cNvPr id="153" name="0"/>
           <p:cNvSpPr txBox="1"/>
           <p:nvPr/>
         </p:nvSpPr>
@@ -5209,7 +5187,7 @@
       </p:sp>
       <p:sp>
         <p:nvSpPr>
-          <p:cNvPr id="151" name="12"/>
+          <p:cNvPr id="154" name="12"/>
           <p:cNvSpPr txBox="1"/>
           <p:nvPr/>
         </p:nvSpPr>
@@ -5254,7 +5232,7 @@
       </p:sp>
       <p:sp>
         <p:nvSpPr>
-          <p:cNvPr id="152" name="12"/>
+          <p:cNvPr id="155" name="12"/>
           <p:cNvSpPr txBox="1"/>
           <p:nvPr/>
         </p:nvSpPr>
@@ -5299,7 +5277,7 @@
       </p:sp>
       <p:sp>
         <p:nvSpPr>
-          <p:cNvPr id="153" name="12"/>
+          <p:cNvPr id="156" name="12"/>
           <p:cNvSpPr txBox="1"/>
           <p:nvPr/>
         </p:nvSpPr>
@@ -5344,7 +5322,7 @@
       </p:sp>
       <p:sp>
         <p:nvSpPr>
-          <p:cNvPr id="154" name="12"/>
+          <p:cNvPr id="157" name="12"/>
           <p:cNvSpPr txBox="1"/>
           <p:nvPr/>
         </p:nvSpPr>
@@ -5389,7 +5367,7 @@
       </p:sp>
       <p:sp>
         <p:nvSpPr>
-          <p:cNvPr id="155" name="10"/>
+          <p:cNvPr id="158" name="10"/>
           <p:cNvSpPr txBox="1"/>
           <p:nvPr/>
         </p:nvSpPr>
@@ -5434,7 +5412,7 @@
       </p:sp>
       <p:sp>
         <p:nvSpPr>
-          <p:cNvPr id="156" name="12"/>
+          <p:cNvPr id="159" name="12"/>
           <p:cNvSpPr txBox="1"/>
           <p:nvPr/>
         </p:nvSpPr>
@@ -5479,7 +5457,7 @@
       </p:sp>
       <p:sp>
         <p:nvSpPr>
-          <p:cNvPr id="157" name="22"/>
+          <p:cNvPr id="160" name="22"/>
           <p:cNvSpPr txBox="1"/>
           <p:nvPr/>
         </p:nvSpPr>
@@ -5524,14 +5502,14 @@
       </p:sp>
       <p:sp>
         <p:nvSpPr>
-          <p:cNvPr id="158" name="22"/>
+          <p:cNvPr id="161" name="22"/>
           <p:cNvSpPr txBox="1"/>
           <p:nvPr/>
         </p:nvSpPr>
         <p:spPr>
           <a:xfrm>
             <a:off x="7706005" y="1747798"/>
-            <a:ext cx="551245" cy="482601"/>
+            <a:ext cx="551246" cy="482601"/>
           </a:xfrm>
           <a:prstGeom prst="rect">
             <a:avLst/>
@@ -5569,7 +5547,7 @@
       </p:sp>
       <p:sp>
         <p:nvSpPr>
-          <p:cNvPr id="159" name="22"/>
+          <p:cNvPr id="162" name="22"/>
           <p:cNvSpPr txBox="1"/>
           <p:nvPr/>
         </p:nvSpPr>
@@ -5651,7 +5629,7 @@
                                       <p:cBhvr>
                                         <p:cTn id="6" fill="hold"/>
                                         <p:tgtEl>
-                                          <p:spTgt spid="137">
+                                          <p:spTgt spid="140">
                                             <p:bg/>
                                           </p:spTgt>
                                         </p:tgtEl>
@@ -5679,7 +5657,7 @@
                                       <p:cBhvr>
                                         <p:cTn id="8" fill="hold"/>
                                         <p:tgtEl>
-                                          <p:spTgt spid="137">
+                                          <p:spTgt spid="140">
                                             <p:txEl>
                                               <p:pRg st="0" end="0"/>
                                             </p:txEl>
@@ -5727,7 +5705,7 @@
                                       <p:cBhvr>
                                         <p:cTn id="12" fill="hold"/>
                                         <p:tgtEl>
-                                          <p:spTgt spid="137">
+                                          <p:spTgt spid="140">
                                             <p:txEl>
                                               <p:pRg st="1" end="1"/>
                                             </p:txEl>
@@ -5775,7 +5753,7 @@
                                       <p:cBhvr>
                                         <p:cTn id="16" fill="hold"/>
                                         <p:tgtEl>
-                                          <p:spTgt spid="156"/>
+                                          <p:spTgt spid="159"/>
                                         </p:tgtEl>
                                         <p:attrNameLst>
                                           <p:attrName>style.visibility</p:attrName>
@@ -5819,7 +5797,7 @@
                                       <p:cBhvr>
                                         <p:cTn id="20" fill="hold"/>
                                         <p:tgtEl>
-                                          <p:spTgt spid="137">
+                                          <p:spTgt spid="140">
                                             <p:txEl>
                                               <p:pRg st="2" end="2"/>
                                             </p:txEl>
@@ -5867,7 +5845,7 @@
                                       <p:cBhvr>
                                         <p:cTn id="24" fill="hold"/>
                                         <p:tgtEl>
-                                          <p:spTgt spid="137">
+                                          <p:spTgt spid="140">
                                             <p:txEl>
                                               <p:pRg st="3" end="3"/>
                                             </p:txEl>
@@ -5915,7 +5893,7 @@
                                       <p:cBhvr>
                                         <p:cTn id="28" fill="hold"/>
                                         <p:tgtEl>
-                                          <p:spTgt spid="157"/>
+                                          <p:spTgt spid="160"/>
                                         </p:tgtEl>
                                         <p:attrNameLst>
                                           <p:attrName>style.visibility</p:attrName>
@@ -5959,7 +5937,7 @@
                                       <p:cBhvr>
                                         <p:cTn id="32" fill="hold"/>
                                         <p:tgtEl>
-                                          <p:spTgt spid="137">
+                                          <p:spTgt spid="140">
                                             <p:txEl>
                                               <p:pRg st="4" end="4"/>
                                             </p:txEl>
@@ -6007,7 +5985,7 @@
                                       <p:cBhvr>
                                         <p:cTn id="36" fill="hold"/>
                                         <p:tgtEl>
-                                          <p:spTgt spid="137">
+                                          <p:spTgt spid="140">
                                             <p:txEl>
                                               <p:pRg st="5" end="5"/>
                                             </p:txEl>
@@ -6055,7 +6033,7 @@
                                       <p:cBhvr>
                                         <p:cTn id="40" fill="hold"/>
                                         <p:tgtEl>
-                                          <p:spTgt spid="158"/>
+                                          <p:spTgt spid="161"/>
                                         </p:tgtEl>
                                         <p:attrNameLst>
                                           <p:attrName>style.visibility</p:attrName>
@@ -6099,7 +6077,7 @@
                                       <p:cBhvr>
                                         <p:cTn id="44" fill="hold"/>
                                         <p:tgtEl>
-                                          <p:spTgt spid="137">
+                                          <p:spTgt spid="140">
                                             <p:txEl>
                                               <p:pRg st="6" end="6"/>
                                             </p:txEl>
@@ -6147,7 +6125,7 @@
                                       <p:cBhvr>
                                         <p:cTn id="48" fill="hold"/>
                                         <p:tgtEl>
-                                          <p:spTgt spid="137">
+                                          <p:spTgt spid="140">
                                             <p:txEl>
                                               <p:pRg st="7" end="7"/>
                                             </p:txEl>
@@ -6195,7 +6173,7 @@
                                       <p:cBhvr>
                                         <p:cTn id="52" fill="hold"/>
                                         <p:tgtEl>
-                                          <p:spTgt spid="159"/>
+                                          <p:spTgt spid="162"/>
                                         </p:tgtEl>
                                         <p:attrNameLst>
                                           <p:attrName>style.visibility</p:attrName>
@@ -6236,11 +6214,11 @@
       </p:par>
     </p:tnLst>
     <p:bldLst>
-      <p:bldP build="whole" bldLvl="1" animBg="1" rev="0" advAuto="0" spid="156" grpId="2"/>
-      <p:bldP build="whole" bldLvl="1" animBg="1" rev="0" advAuto="0" spid="157" grpId="3"/>
-      <p:bldP build="p" bldLvl="5" animBg="1" rev="0" advAuto="0" spid="137" grpId="1"/>
-      <p:bldP build="whole" bldLvl="1" animBg="1" rev="0" advAuto="0" spid="159" grpId="5"/>
-      <p:bldP build="whole" bldLvl="1" animBg="1" rev="0" advAuto="0" spid="158" grpId="4"/>
+      <p:bldP build="whole" bldLvl="1" animBg="1" rev="0" advAuto="0" spid="160" grpId="3"/>
+      <p:bldP build="whole" bldLvl="1" animBg="1" rev="0" advAuto="0" spid="159" grpId="2"/>
+      <p:bldP build="p" bldLvl="5" animBg="1" rev="0" advAuto="0" spid="140" grpId="1"/>
+      <p:bldP build="whole" bldLvl="1" animBg="1" rev="0" advAuto="0" spid="161" grpId="4"/>
+      <p:bldP build="whole" bldLvl="1" animBg="1" rev="0" advAuto="0" spid="162" grpId="5"/>
     </p:bldLst>
   </p:timing>
 </p:sld>
@@ -6265,7 +6243,7 @@
       </p:grpSpPr>
       <p:sp>
         <p:nvSpPr>
-          <p:cNvPr id="161" name="Slide Number"/>
+          <p:cNvPr id="164" name="Slide Number"/>
           <p:cNvSpPr txBox="1"/>
           <p:nvPr>
             <p:ph type="sldNum" sz="quarter" idx="2"/>
@@ -6292,7 +6270,7 @@
       </p:sp>
       <p:sp>
         <p:nvSpPr>
-          <p:cNvPr id="162" name="DAA/Dynamic Programming"/>
+          <p:cNvPr id="165" name="DAA/Dynamic Programming"/>
           <p:cNvSpPr txBox="1"/>
           <p:nvPr/>
         </p:nvSpPr>
@@ -6332,7 +6310,7 @@
       </p:sp>
       <p:sp>
         <p:nvSpPr>
-          <p:cNvPr id="163" name="RPR/"/>
+          <p:cNvPr id="166" name="RPR/"/>
           <p:cNvSpPr txBox="1"/>
           <p:nvPr/>
         </p:nvSpPr>
@@ -6372,7 +6350,7 @@
       </p:sp>
       <p:graphicFrame>
         <p:nvGraphicFramePr>
-          <p:cNvPr id="164" name="Table"/>
+          <p:cNvPr id="167" name="Table"/>
           <p:cNvGraphicFramePr/>
           <p:nvPr/>
         </p:nvGraphicFramePr>
@@ -8223,7 +8201,7 @@
       </p:graphicFrame>
       <p:sp>
         <p:nvSpPr>
-          <p:cNvPr id="165" name="V[3,1]=V[2,1] = 10; (j=1&lt;w3=3)…"/>
+          <p:cNvPr id="168" name="V[3,1]=V[2,1] = 10; (j=1&lt;w3=3)…"/>
           <p:cNvSpPr txBox="1"/>
           <p:nvPr>
             <p:ph type="body" idx="1"/>
@@ -8424,7 +8402,7 @@
       </p:sp>
       <p:grpSp>
         <p:nvGrpSpPr>
-          <p:cNvPr id="172" name="Group"/>
+          <p:cNvPr id="175" name="Group"/>
           <p:cNvGrpSpPr/>
           <p:nvPr/>
         </p:nvGrpSpPr>
@@ -8438,7 +8416,7 @@
         </p:grpSpPr>
         <p:sp>
           <p:nvSpPr>
-            <p:cNvPr id="166" name="0"/>
+            <p:cNvPr id="169" name="0"/>
             <p:cNvSpPr txBox="1"/>
             <p:nvPr/>
           </p:nvSpPr>
@@ -8486,7 +8464,7 @@
         </p:sp>
         <p:sp>
           <p:nvSpPr>
-            <p:cNvPr id="167" name="0"/>
+            <p:cNvPr id="170" name="0"/>
             <p:cNvSpPr txBox="1"/>
             <p:nvPr/>
           </p:nvSpPr>
@@ -8534,7 +8512,7 @@
         </p:sp>
         <p:sp>
           <p:nvSpPr>
-            <p:cNvPr id="168" name="0"/>
+            <p:cNvPr id="171" name="0"/>
             <p:cNvSpPr txBox="1"/>
             <p:nvPr/>
           </p:nvSpPr>
@@ -8582,7 +8560,7 @@
         </p:sp>
         <p:sp>
           <p:nvSpPr>
-            <p:cNvPr id="169" name="0"/>
+            <p:cNvPr id="172" name="0"/>
             <p:cNvSpPr txBox="1"/>
             <p:nvPr/>
           </p:nvSpPr>
@@ -8630,7 +8608,7 @@
         </p:sp>
         <p:sp>
           <p:nvSpPr>
-            <p:cNvPr id="170" name="0"/>
+            <p:cNvPr id="173" name="0"/>
             <p:cNvSpPr txBox="1"/>
             <p:nvPr/>
           </p:nvSpPr>
@@ -8678,7 +8656,7 @@
         </p:sp>
         <p:sp>
           <p:nvSpPr>
-            <p:cNvPr id="171" name="0"/>
+            <p:cNvPr id="174" name="0"/>
             <p:cNvSpPr txBox="1"/>
             <p:nvPr/>
           </p:nvSpPr>
@@ -8727,7 +8705,7 @@
       </p:grpSp>
       <p:grpSp>
         <p:nvGrpSpPr>
-          <p:cNvPr id="177" name="Group"/>
+          <p:cNvPr id="180" name="Group"/>
           <p:cNvGrpSpPr/>
           <p:nvPr/>
         </p:nvGrpSpPr>
@@ -8741,7 +8719,7 @@
         </p:grpSpPr>
         <p:sp>
           <p:nvSpPr>
-            <p:cNvPr id="173" name="0"/>
+            <p:cNvPr id="176" name="0"/>
             <p:cNvSpPr txBox="1"/>
             <p:nvPr/>
           </p:nvSpPr>
@@ -8789,7 +8767,7 @@
         </p:sp>
         <p:sp>
           <p:nvSpPr>
-            <p:cNvPr id="174" name="0"/>
+            <p:cNvPr id="177" name="0"/>
             <p:cNvSpPr txBox="1"/>
             <p:nvPr/>
           </p:nvSpPr>
@@ -8837,7 +8815,7 @@
         </p:sp>
         <p:sp>
           <p:nvSpPr>
-            <p:cNvPr id="175" name="0"/>
+            <p:cNvPr id="178" name="0"/>
             <p:cNvSpPr txBox="1"/>
             <p:nvPr/>
           </p:nvSpPr>
@@ -8885,7 +8863,7 @@
         </p:sp>
         <p:sp>
           <p:nvSpPr>
-            <p:cNvPr id="176" name="0"/>
+            <p:cNvPr id="179" name="0"/>
             <p:cNvSpPr txBox="1"/>
             <p:nvPr/>
           </p:nvSpPr>
@@ -8934,7 +8912,7 @@
       </p:grpSp>
       <p:sp>
         <p:nvSpPr>
-          <p:cNvPr id="178" name="0"/>
+          <p:cNvPr id="181" name="0"/>
           <p:cNvSpPr txBox="1"/>
           <p:nvPr/>
         </p:nvSpPr>
@@ -8979,7 +8957,7 @@
       </p:sp>
       <p:sp>
         <p:nvSpPr>
-          <p:cNvPr id="179" name="12"/>
+          <p:cNvPr id="182" name="12"/>
           <p:cNvSpPr txBox="1"/>
           <p:nvPr/>
         </p:nvSpPr>
@@ -9024,7 +9002,7 @@
       </p:sp>
       <p:sp>
         <p:nvSpPr>
-          <p:cNvPr id="180" name="12"/>
+          <p:cNvPr id="183" name="12"/>
           <p:cNvSpPr txBox="1"/>
           <p:nvPr/>
         </p:nvSpPr>
@@ -9069,7 +9047,7 @@
       </p:sp>
       <p:sp>
         <p:nvSpPr>
-          <p:cNvPr id="181" name="12"/>
+          <p:cNvPr id="184" name="12"/>
           <p:cNvSpPr txBox="1"/>
           <p:nvPr/>
         </p:nvSpPr>
@@ -9114,7 +9092,7 @@
       </p:sp>
       <p:sp>
         <p:nvSpPr>
-          <p:cNvPr id="182" name="12"/>
+          <p:cNvPr id="185" name="12"/>
           <p:cNvSpPr txBox="1"/>
           <p:nvPr/>
         </p:nvSpPr>
@@ -9159,7 +9137,7 @@
       </p:sp>
       <p:sp>
         <p:nvSpPr>
-          <p:cNvPr id="183" name="12"/>
+          <p:cNvPr id="186" name="12"/>
           <p:cNvSpPr txBox="1"/>
           <p:nvPr/>
         </p:nvSpPr>
@@ -9204,7 +9182,7 @@
       </p:sp>
       <p:sp>
         <p:nvSpPr>
-          <p:cNvPr id="184" name="10"/>
+          <p:cNvPr id="187" name="10"/>
           <p:cNvSpPr txBox="1"/>
           <p:nvPr/>
         </p:nvSpPr>
@@ -9249,7 +9227,7 @@
       </p:sp>
       <p:sp>
         <p:nvSpPr>
-          <p:cNvPr id="185" name="12"/>
+          <p:cNvPr id="188" name="12"/>
           <p:cNvSpPr txBox="1"/>
           <p:nvPr/>
         </p:nvSpPr>
@@ -9294,7 +9272,7 @@
       </p:sp>
       <p:sp>
         <p:nvSpPr>
-          <p:cNvPr id="186" name="22"/>
+          <p:cNvPr id="189" name="22"/>
           <p:cNvSpPr txBox="1"/>
           <p:nvPr/>
         </p:nvSpPr>
@@ -9339,7 +9317,7 @@
       </p:sp>
       <p:sp>
         <p:nvSpPr>
-          <p:cNvPr id="187" name="22"/>
+          <p:cNvPr id="190" name="22"/>
           <p:cNvSpPr txBox="1"/>
           <p:nvPr/>
         </p:nvSpPr>
@@ -9384,7 +9362,7 @@
       </p:sp>
       <p:sp>
         <p:nvSpPr>
-          <p:cNvPr id="188" name="22"/>
+          <p:cNvPr id="191" name="22"/>
           <p:cNvSpPr txBox="1"/>
           <p:nvPr/>
         </p:nvSpPr>
@@ -9429,7 +9407,7 @@
       </p:sp>
       <p:sp>
         <p:nvSpPr>
-          <p:cNvPr id="189" name="10"/>
+          <p:cNvPr id="192" name="10"/>
           <p:cNvSpPr txBox="1"/>
           <p:nvPr/>
         </p:nvSpPr>
@@ -9474,14 +9452,14 @@
       </p:sp>
       <p:sp>
         <p:nvSpPr>
-          <p:cNvPr id="190" name="22"/>
+          <p:cNvPr id="193" name="22"/>
           <p:cNvSpPr txBox="1"/>
           <p:nvPr/>
         </p:nvSpPr>
         <p:spPr>
           <a:xfrm>
             <a:off x="6937108" y="2292396"/>
-            <a:ext cx="551246" cy="482601"/>
+            <a:ext cx="551245" cy="482601"/>
           </a:xfrm>
           <a:prstGeom prst="rect">
             <a:avLst/>
@@ -9519,7 +9497,7 @@
       </p:sp>
       <p:sp>
         <p:nvSpPr>
-          <p:cNvPr id="191" name="30"/>
+          <p:cNvPr id="194" name="30"/>
           <p:cNvSpPr txBox="1"/>
           <p:nvPr/>
         </p:nvSpPr>
@@ -9564,7 +9542,7 @@
       </p:sp>
       <p:sp>
         <p:nvSpPr>
-          <p:cNvPr id="192" name="32"/>
+          <p:cNvPr id="195" name="32"/>
           <p:cNvSpPr txBox="1"/>
           <p:nvPr/>
         </p:nvSpPr>
@@ -9646,7 +9624,7 @@
                                       <p:cBhvr>
                                         <p:cTn id="6" fill="hold"/>
                                         <p:tgtEl>
-                                          <p:spTgt spid="165">
+                                          <p:spTgt spid="168">
                                             <p:bg/>
                                           </p:spTgt>
                                         </p:tgtEl>
@@ -9674,7 +9652,7 @@
                                       <p:cBhvr>
                                         <p:cTn id="8" fill="hold"/>
                                         <p:tgtEl>
-                                          <p:spTgt spid="165">
+                                          <p:spTgt spid="168">
                                             <p:txEl>
                                               <p:pRg st="0" end="0"/>
                                             </p:txEl>
@@ -9722,7 +9700,7 @@
                                       <p:cBhvr>
                                         <p:cTn id="12" fill="hold"/>
                                         <p:tgtEl>
-                                          <p:spTgt spid="189"/>
+                                          <p:spTgt spid="192"/>
                                         </p:tgtEl>
                                         <p:attrNameLst>
                                           <p:attrName>style.visibility</p:attrName>
@@ -9766,7 +9744,7 @@
                                       <p:cBhvr>
                                         <p:cTn id="16" fill="hold"/>
                                         <p:tgtEl>
-                                          <p:spTgt spid="165">
+                                          <p:spTgt spid="168">
                                             <p:txEl>
                                               <p:pRg st="1" end="1"/>
                                             </p:txEl>
@@ -9814,7 +9792,7 @@
                                       <p:cBhvr>
                                         <p:cTn id="20" fill="hold"/>
                                         <p:tgtEl>
-                                          <p:spTgt spid="180"/>
+                                          <p:spTgt spid="183"/>
                                         </p:tgtEl>
                                         <p:attrNameLst>
                                           <p:attrName>style.visibility</p:attrName>
@@ -9858,7 +9836,7 @@
                                       <p:cBhvr>
                                         <p:cTn id="24" fill="hold"/>
                                         <p:tgtEl>
-                                          <p:spTgt spid="165">
+                                          <p:spTgt spid="168">
                                             <p:txEl>
                                               <p:pRg st="2" end="2"/>
                                             </p:txEl>
@@ -9906,7 +9884,7 @@
                                       <p:cBhvr>
                                         <p:cTn id="28" fill="hold"/>
                                         <p:tgtEl>
-                                          <p:spTgt spid="165">
+                                          <p:spTgt spid="168">
                                             <p:txEl>
                                               <p:pRg st="3" end="3"/>
                                             </p:txEl>
@@ -9954,7 +9932,7 @@
                                       <p:cBhvr>
                                         <p:cTn id="32" fill="hold"/>
                                         <p:tgtEl>
-                                          <p:spTgt spid="190"/>
+                                          <p:spTgt spid="193"/>
                                         </p:tgtEl>
                                         <p:attrNameLst>
                                           <p:attrName>style.visibility</p:attrName>
@@ -9998,7 +9976,7 @@
                                       <p:cBhvr>
                                         <p:cTn id="36" fill="hold"/>
                                         <p:tgtEl>
-                                          <p:spTgt spid="165">
+                                          <p:spTgt spid="168">
                                             <p:txEl>
                                               <p:pRg st="4" end="4"/>
                                             </p:txEl>
@@ -10046,7 +10024,7 @@
                                       <p:cBhvr>
                                         <p:cTn id="40" fill="hold"/>
                                         <p:tgtEl>
-                                          <p:spTgt spid="165">
+                                          <p:spTgt spid="168">
                                             <p:txEl>
                                               <p:pRg st="5" end="5"/>
                                             </p:txEl>
@@ -10094,7 +10072,7 @@
                                       <p:cBhvr>
                                         <p:cTn id="44" fill="hold"/>
                                         <p:tgtEl>
-                                          <p:spTgt spid="191"/>
+                                          <p:spTgt spid="194"/>
                                         </p:tgtEl>
                                         <p:attrNameLst>
                                           <p:attrName>style.visibility</p:attrName>
@@ -10138,7 +10116,7 @@
                                       <p:cBhvr>
                                         <p:cTn id="48" fill="hold"/>
                                         <p:tgtEl>
-                                          <p:spTgt spid="165">
+                                          <p:spTgt spid="168">
                                             <p:txEl>
                                               <p:pRg st="6" end="6"/>
                                             </p:txEl>
@@ -10186,7 +10164,7 @@
                                       <p:cBhvr>
                                         <p:cTn id="52" fill="hold"/>
                                         <p:tgtEl>
-                                          <p:spTgt spid="165">
+                                          <p:spTgt spid="168">
                                             <p:txEl>
                                               <p:pRg st="7" end="7"/>
                                             </p:txEl>
@@ -10234,7 +10212,7 @@
                                       <p:cBhvr>
                                         <p:cTn id="56" fill="hold"/>
                                         <p:tgtEl>
-                                          <p:spTgt spid="192"/>
+                                          <p:spTgt spid="195"/>
                                         </p:tgtEl>
                                         <p:attrNameLst>
                                           <p:attrName>style.visibility</p:attrName>
@@ -10275,12 +10253,12 @@
       </p:par>
     </p:tnLst>
     <p:bldLst>
-      <p:bldP build="whole" bldLvl="1" animBg="1" rev="0" advAuto="0" spid="189" grpId="2"/>
-      <p:bldP build="whole" bldLvl="1" animBg="1" rev="0" advAuto="0" spid="180" grpId="3"/>
-      <p:bldP build="whole" bldLvl="1" animBg="1" rev="0" advAuto="0" spid="190" grpId="4"/>
-      <p:bldP build="whole" bldLvl="1" animBg="1" rev="0" advAuto="0" spid="192" grpId="6"/>
-      <p:bldP build="whole" bldLvl="1" animBg="1" rev="0" advAuto="0" spid="191" grpId="5"/>
-      <p:bldP build="p" bldLvl="5" animBg="1" rev="0" advAuto="0" spid="165" grpId="1"/>
+      <p:bldP build="p" bldLvl="5" animBg="1" rev="0" advAuto="0" spid="168" grpId="1"/>
+      <p:bldP build="whole" bldLvl="1" animBg="1" rev="0" advAuto="0" spid="193" grpId="4"/>
+      <p:bldP build="whole" bldLvl="1" animBg="1" rev="0" advAuto="0" spid="192" grpId="2"/>
+      <p:bldP build="whole" bldLvl="1" animBg="1" rev="0" advAuto="0" spid="195" grpId="6"/>
+      <p:bldP build="whole" bldLvl="1" animBg="1" rev="0" advAuto="0" spid="183" grpId="3"/>
+      <p:bldP build="whole" bldLvl="1" animBg="1" rev="0" advAuto="0" spid="194" grpId="5"/>
     </p:bldLst>
   </p:timing>
 </p:sld>
@@ -10305,7 +10283,7 @@
       </p:grpSpPr>
       <p:sp>
         <p:nvSpPr>
-          <p:cNvPr id="194" name="Slide Number"/>
+          <p:cNvPr id="197" name="Slide Number"/>
           <p:cNvSpPr txBox="1"/>
           <p:nvPr>
             <p:ph type="sldNum" sz="quarter" idx="2"/>
@@ -10332,7 +10310,7 @@
       </p:sp>
       <p:sp>
         <p:nvSpPr>
-          <p:cNvPr id="195" name="DAA/Dynamic Programming"/>
+          <p:cNvPr id="198" name="DAA/Dynamic Programming"/>
           <p:cNvSpPr txBox="1"/>
           <p:nvPr/>
         </p:nvSpPr>
@@ -10372,7 +10350,7 @@
       </p:sp>
       <p:sp>
         <p:nvSpPr>
-          <p:cNvPr id="196" name="RPR/"/>
+          <p:cNvPr id="199" name="RPR/"/>
           <p:cNvSpPr txBox="1"/>
           <p:nvPr/>
         </p:nvSpPr>
@@ -10412,7 +10390,7 @@
       </p:sp>
       <p:graphicFrame>
         <p:nvGraphicFramePr>
-          <p:cNvPr id="197" name="Table"/>
+          <p:cNvPr id="200" name="Table"/>
           <p:cNvGraphicFramePr/>
           <p:nvPr/>
         </p:nvGraphicFramePr>
@@ -12263,7 +12241,7 @@
       </p:graphicFrame>
       <p:sp>
         <p:nvSpPr>
-          <p:cNvPr id="198" name="V[4,1]=V[3,1] = 10; (j=1&lt;w4=2)…"/>
+          <p:cNvPr id="201" name="V[4,1]=V[3,1] = 10; (j=1&lt;w4=2)…"/>
           <p:cNvSpPr txBox="1"/>
           <p:nvPr>
             <p:ph type="body" idx="1"/>
@@ -12482,7 +12460,7 @@
       </p:sp>
       <p:grpSp>
         <p:nvGrpSpPr>
-          <p:cNvPr id="205" name="Group"/>
+          <p:cNvPr id="208" name="Group"/>
           <p:cNvGrpSpPr/>
           <p:nvPr/>
         </p:nvGrpSpPr>
@@ -12496,7 +12474,7 @@
         </p:grpSpPr>
         <p:sp>
           <p:nvSpPr>
-            <p:cNvPr id="199" name="0"/>
+            <p:cNvPr id="202" name="0"/>
             <p:cNvSpPr txBox="1"/>
             <p:nvPr/>
           </p:nvSpPr>
@@ -12544,7 +12522,7 @@
         </p:sp>
         <p:sp>
           <p:nvSpPr>
-            <p:cNvPr id="200" name="0"/>
+            <p:cNvPr id="203" name="0"/>
             <p:cNvSpPr txBox="1"/>
             <p:nvPr/>
           </p:nvSpPr>
@@ -12592,7 +12570,7 @@
         </p:sp>
         <p:sp>
           <p:nvSpPr>
-            <p:cNvPr id="201" name="0"/>
+            <p:cNvPr id="204" name="0"/>
             <p:cNvSpPr txBox="1"/>
             <p:nvPr/>
           </p:nvSpPr>
@@ -12640,7 +12618,7 @@
         </p:sp>
         <p:sp>
           <p:nvSpPr>
-            <p:cNvPr id="202" name="0"/>
+            <p:cNvPr id="205" name="0"/>
             <p:cNvSpPr txBox="1"/>
             <p:nvPr/>
           </p:nvSpPr>
@@ -12688,7 +12666,7 @@
         </p:sp>
         <p:sp>
           <p:nvSpPr>
-            <p:cNvPr id="203" name="0"/>
+            <p:cNvPr id="206" name="0"/>
             <p:cNvSpPr txBox="1"/>
             <p:nvPr/>
           </p:nvSpPr>
@@ -12736,7 +12714,7 @@
         </p:sp>
         <p:sp>
           <p:nvSpPr>
-            <p:cNvPr id="204" name="0"/>
+            <p:cNvPr id="207" name="0"/>
             <p:cNvSpPr txBox="1"/>
             <p:nvPr/>
           </p:nvSpPr>
@@ -12785,7 +12763,7 @@
       </p:grpSp>
       <p:grpSp>
         <p:nvGrpSpPr>
-          <p:cNvPr id="210" name="Group"/>
+          <p:cNvPr id="213" name="Group"/>
           <p:cNvGrpSpPr/>
           <p:nvPr/>
         </p:nvGrpSpPr>
@@ -12799,7 +12777,7 @@
         </p:grpSpPr>
         <p:sp>
           <p:nvSpPr>
-            <p:cNvPr id="206" name="0"/>
+            <p:cNvPr id="209" name="0"/>
             <p:cNvSpPr txBox="1"/>
             <p:nvPr/>
           </p:nvSpPr>
@@ -12847,7 +12825,7 @@
         </p:sp>
         <p:sp>
           <p:nvSpPr>
-            <p:cNvPr id="207" name="0"/>
+            <p:cNvPr id="210" name="0"/>
             <p:cNvSpPr txBox="1"/>
             <p:nvPr/>
           </p:nvSpPr>
@@ -12895,7 +12873,7 @@
         </p:sp>
         <p:sp>
           <p:nvSpPr>
-            <p:cNvPr id="208" name="0"/>
+            <p:cNvPr id="211" name="0"/>
             <p:cNvSpPr txBox="1"/>
             <p:nvPr/>
           </p:nvSpPr>
@@ -12943,7 +12921,7 @@
         </p:sp>
         <p:sp>
           <p:nvSpPr>
-            <p:cNvPr id="209" name="0"/>
+            <p:cNvPr id="212" name="0"/>
             <p:cNvSpPr txBox="1"/>
             <p:nvPr/>
           </p:nvSpPr>
@@ -12992,7 +12970,7 @@
       </p:grpSp>
       <p:sp>
         <p:nvSpPr>
-          <p:cNvPr id="211" name="0"/>
+          <p:cNvPr id="214" name="0"/>
           <p:cNvSpPr txBox="1"/>
           <p:nvPr/>
         </p:nvSpPr>
@@ -13037,7 +13015,7 @@
       </p:sp>
       <p:sp>
         <p:nvSpPr>
-          <p:cNvPr id="212" name="12"/>
+          <p:cNvPr id="215" name="12"/>
           <p:cNvSpPr txBox="1"/>
           <p:nvPr/>
         </p:nvSpPr>
@@ -13082,7 +13060,7 @@
       </p:sp>
       <p:sp>
         <p:nvSpPr>
-          <p:cNvPr id="213" name="12"/>
+          <p:cNvPr id="216" name="12"/>
           <p:cNvSpPr txBox="1"/>
           <p:nvPr/>
         </p:nvSpPr>
@@ -13127,7 +13105,7 @@
       </p:sp>
       <p:sp>
         <p:nvSpPr>
-          <p:cNvPr id="214" name="12"/>
+          <p:cNvPr id="217" name="12"/>
           <p:cNvSpPr txBox="1"/>
           <p:nvPr/>
         </p:nvSpPr>
@@ -13172,7 +13150,7 @@
       </p:sp>
       <p:sp>
         <p:nvSpPr>
-          <p:cNvPr id="215" name="12"/>
+          <p:cNvPr id="218" name="12"/>
           <p:cNvSpPr txBox="1"/>
           <p:nvPr/>
         </p:nvSpPr>
@@ -13217,7 +13195,7 @@
       </p:sp>
       <p:sp>
         <p:nvSpPr>
-          <p:cNvPr id="216" name="12"/>
+          <p:cNvPr id="219" name="12"/>
           <p:cNvSpPr txBox="1"/>
           <p:nvPr/>
         </p:nvSpPr>
@@ -13262,7 +13240,7 @@
       </p:sp>
       <p:sp>
         <p:nvSpPr>
-          <p:cNvPr id="217" name="10"/>
+          <p:cNvPr id="220" name="10"/>
           <p:cNvSpPr txBox="1"/>
           <p:nvPr/>
         </p:nvSpPr>
@@ -13307,7 +13285,7 @@
       </p:sp>
       <p:sp>
         <p:nvSpPr>
-          <p:cNvPr id="218" name="12"/>
+          <p:cNvPr id="221" name="12"/>
           <p:cNvSpPr txBox="1"/>
           <p:nvPr/>
         </p:nvSpPr>
@@ -13352,7 +13330,7 @@
       </p:sp>
       <p:sp>
         <p:nvSpPr>
-          <p:cNvPr id="219" name="22"/>
+          <p:cNvPr id="222" name="22"/>
           <p:cNvSpPr txBox="1"/>
           <p:nvPr/>
         </p:nvSpPr>
@@ -13397,7 +13375,7 @@
       </p:sp>
       <p:sp>
         <p:nvSpPr>
-          <p:cNvPr id="220" name="22"/>
+          <p:cNvPr id="223" name="22"/>
           <p:cNvSpPr txBox="1"/>
           <p:nvPr/>
         </p:nvSpPr>
@@ -13442,7 +13420,7 @@
       </p:sp>
       <p:sp>
         <p:nvSpPr>
-          <p:cNvPr id="221" name="22"/>
+          <p:cNvPr id="224" name="22"/>
           <p:cNvSpPr txBox="1"/>
           <p:nvPr/>
         </p:nvSpPr>
@@ -13487,7 +13465,7 @@
       </p:sp>
       <p:sp>
         <p:nvSpPr>
-          <p:cNvPr id="222" name="10"/>
+          <p:cNvPr id="225" name="10"/>
           <p:cNvSpPr txBox="1"/>
           <p:nvPr/>
         </p:nvSpPr>
@@ -13532,7 +13510,7 @@
       </p:sp>
       <p:sp>
         <p:nvSpPr>
-          <p:cNvPr id="223" name="12"/>
+          <p:cNvPr id="226" name="12"/>
           <p:cNvSpPr txBox="1"/>
           <p:nvPr/>
         </p:nvSpPr>
@@ -13577,7 +13555,7 @@
       </p:sp>
       <p:sp>
         <p:nvSpPr>
-          <p:cNvPr id="224" name="22"/>
+          <p:cNvPr id="227" name="22"/>
           <p:cNvSpPr txBox="1"/>
           <p:nvPr/>
         </p:nvSpPr>
@@ -13622,7 +13600,7 @@
       </p:sp>
       <p:sp>
         <p:nvSpPr>
-          <p:cNvPr id="225" name="30"/>
+          <p:cNvPr id="228" name="30"/>
           <p:cNvSpPr txBox="1"/>
           <p:nvPr/>
         </p:nvSpPr>
@@ -13667,7 +13645,7 @@
       </p:sp>
       <p:sp>
         <p:nvSpPr>
-          <p:cNvPr id="226" name="32"/>
+          <p:cNvPr id="229" name="32"/>
           <p:cNvSpPr txBox="1"/>
           <p:nvPr/>
         </p:nvSpPr>
@@ -13712,7 +13690,7 @@
       </p:sp>
       <p:sp>
         <p:nvSpPr>
-          <p:cNvPr id="227" name="10"/>
+          <p:cNvPr id="230" name="10"/>
           <p:cNvSpPr txBox="1"/>
           <p:nvPr/>
         </p:nvSpPr>
@@ -13757,7 +13735,7 @@
       </p:sp>
       <p:sp>
         <p:nvSpPr>
-          <p:cNvPr id="228" name="15"/>
+          <p:cNvPr id="231" name="15"/>
           <p:cNvSpPr txBox="1"/>
           <p:nvPr/>
         </p:nvSpPr>
@@ -13802,7 +13780,7 @@
       </p:sp>
       <p:sp>
         <p:nvSpPr>
-          <p:cNvPr id="229" name="25"/>
+          <p:cNvPr id="232" name="25"/>
           <p:cNvSpPr txBox="1"/>
           <p:nvPr/>
         </p:nvSpPr>
@@ -13847,7 +13825,7 @@
       </p:sp>
       <p:sp>
         <p:nvSpPr>
-          <p:cNvPr id="230" name="30"/>
+          <p:cNvPr id="233" name="30"/>
           <p:cNvSpPr txBox="1"/>
           <p:nvPr/>
         </p:nvSpPr>
@@ -13892,7 +13870,7 @@
       </p:sp>
       <p:sp>
         <p:nvSpPr>
-          <p:cNvPr id="231" name="37"/>
+          <p:cNvPr id="234" name="37"/>
           <p:cNvSpPr txBox="1"/>
           <p:nvPr/>
         </p:nvSpPr>
@@ -13974,7 +13952,7 @@
                                       <p:cBhvr>
                                         <p:cTn id="6" fill="hold"/>
                                         <p:tgtEl>
-                                          <p:spTgt spid="198">
+                                          <p:spTgt spid="201">
                                             <p:bg/>
                                           </p:spTgt>
                                         </p:tgtEl>
@@ -14002,7 +13980,7 @@
                                       <p:cBhvr>
                                         <p:cTn id="8" fill="hold"/>
                                         <p:tgtEl>
-                                          <p:spTgt spid="198">
+                                          <p:spTgt spid="201">
                                             <p:txEl>
                                               <p:pRg st="0" end="0"/>
                                             </p:txEl>
@@ -14050,7 +14028,7 @@
                                       <p:cBhvr>
                                         <p:cTn id="12" fill="hold"/>
                                         <p:tgtEl>
-                                          <p:spTgt spid="227"/>
+                                          <p:spTgt spid="230"/>
                                         </p:tgtEl>
                                         <p:attrNameLst>
                                           <p:attrName>style.visibility</p:attrName>
@@ -14094,7 +14072,7 @@
                                       <p:cBhvr>
                                         <p:cTn id="16" fill="hold"/>
                                         <p:tgtEl>
-                                          <p:spTgt spid="198">
+                                          <p:spTgt spid="201">
                                             <p:txEl>
                                               <p:pRg st="1" end="1"/>
                                             </p:txEl>
@@ -14142,7 +14120,7 @@
                                       <p:cBhvr>
                                         <p:cTn id="20" fill="hold"/>
                                         <p:tgtEl>
-                                          <p:spTgt spid="198">
+                                          <p:spTgt spid="201">
                                             <p:txEl>
                                               <p:pRg st="2" end="2"/>
                                             </p:txEl>
@@ -14190,7 +14168,7 @@
                                       <p:cBhvr>
                                         <p:cTn id="24" fill="hold"/>
                                         <p:tgtEl>
-                                          <p:spTgt spid="228"/>
+                                          <p:spTgt spid="231"/>
                                         </p:tgtEl>
                                         <p:attrNameLst>
                                           <p:attrName>style.visibility</p:attrName>
@@ -14234,7 +14212,7 @@
                                       <p:cBhvr>
                                         <p:cTn id="28" fill="hold"/>
                                         <p:tgtEl>
-                                          <p:spTgt spid="198">
+                                          <p:spTgt spid="201">
                                             <p:txEl>
                                               <p:pRg st="3" end="3"/>
                                             </p:txEl>
@@ -14282,7 +14260,7 @@
                                       <p:cBhvr>
                                         <p:cTn id="32" fill="hold"/>
                                         <p:tgtEl>
-                                          <p:spTgt spid="198">
+                                          <p:spTgt spid="201">
                                             <p:txEl>
                                               <p:pRg st="4" end="4"/>
                                             </p:txEl>
@@ -14330,7 +14308,7 @@
                                       <p:cBhvr>
                                         <p:cTn id="36" fill="hold"/>
                                         <p:tgtEl>
-                                          <p:spTgt spid="229"/>
+                                          <p:spTgt spid="232"/>
                                         </p:tgtEl>
                                         <p:attrNameLst>
                                           <p:attrName>style.visibility</p:attrName>
@@ -14374,7 +14352,7 @@
                                       <p:cBhvr>
                                         <p:cTn id="40" fill="hold"/>
                                         <p:tgtEl>
-                                          <p:spTgt spid="198">
+                                          <p:spTgt spid="201">
                                             <p:txEl>
                                               <p:pRg st="5" end="5"/>
                                             </p:txEl>
@@ -14422,7 +14400,7 @@
                                       <p:cBhvr>
                                         <p:cTn id="44" fill="hold"/>
                                         <p:tgtEl>
-                                          <p:spTgt spid="198">
+                                          <p:spTgt spid="201">
                                             <p:txEl>
                                               <p:pRg st="6" end="6"/>
                                             </p:txEl>
@@ -14470,7 +14448,7 @@
                                       <p:cBhvr>
                                         <p:cTn id="48" fill="hold"/>
                                         <p:tgtEl>
-                                          <p:spTgt spid="230"/>
+                                          <p:spTgt spid="233"/>
                                         </p:tgtEl>
                                         <p:attrNameLst>
                                           <p:attrName>style.visibility</p:attrName>
@@ -14514,7 +14492,7 @@
                                       <p:cBhvr>
                                         <p:cTn id="52" fill="hold"/>
                                         <p:tgtEl>
-                                          <p:spTgt spid="198">
+                                          <p:spTgt spid="201">
                                             <p:txEl>
                                               <p:pRg st="7" end="7"/>
                                             </p:txEl>
@@ -14562,7 +14540,7 @@
                                       <p:cBhvr>
                                         <p:cTn id="56" fill="hold"/>
                                         <p:tgtEl>
-                                          <p:spTgt spid="198">
+                                          <p:spTgt spid="201">
                                             <p:txEl>
                                               <p:pRg st="8" end="8"/>
                                             </p:txEl>
@@ -14610,7 +14588,7 @@
                                       <p:cBhvr>
                                         <p:cTn id="60" fill="hold"/>
                                         <p:tgtEl>
-                                          <p:spTgt spid="231"/>
+                                          <p:spTgt spid="234"/>
                                         </p:tgtEl>
                                         <p:attrNameLst>
                                           <p:attrName>style.visibility</p:attrName>
@@ -14651,12 +14629,12 @@
       </p:par>
     </p:tnLst>
     <p:bldLst>
-      <p:bldP build="whole" bldLvl="1" animBg="1" rev="0" advAuto="0" spid="231" grpId="6"/>
-      <p:bldP build="whole" bldLvl="1" animBg="1" rev="0" advAuto="0" spid="227" grpId="2"/>
-      <p:bldP build="whole" bldLvl="1" animBg="1" rev="0" advAuto="0" spid="229" grpId="4"/>
-      <p:bldP build="whole" bldLvl="1" animBg="1" rev="0" advAuto="0" spid="230" grpId="5"/>
-      <p:bldP build="p" bldLvl="5" animBg="1" rev="0" advAuto="0" spid="198" grpId="1"/>
-      <p:bldP build="whole" bldLvl="1" animBg="1" rev="0" advAuto="0" spid="228" grpId="3"/>
+      <p:bldP build="p" bldLvl="5" animBg="1" rev="0" advAuto="0" spid="201" grpId="1"/>
+      <p:bldP build="whole" bldLvl="1" animBg="1" rev="0" advAuto="0" spid="230" grpId="2"/>
+      <p:bldP build="whole" bldLvl="1" animBg="1" rev="0" advAuto="0" spid="233" grpId="5"/>
+      <p:bldP build="whole" bldLvl="1" animBg="1" rev="0" advAuto="0" spid="231" grpId="3"/>
+      <p:bldP build="whole" bldLvl="1" animBg="1" rev="0" advAuto="0" spid="232" grpId="4"/>
+      <p:bldP build="whole" bldLvl="1" animBg="1" rev="0" advAuto="0" spid="234" grpId="6"/>
     </p:bldLst>
   </p:timing>
 </p:sld>
@@ -14681,7 +14659,7 @@
       </p:grpSpPr>
       <p:sp>
         <p:nvSpPr>
-          <p:cNvPr id="233" name="Slide Number"/>
+          <p:cNvPr id="236" name="Slide Number"/>
           <p:cNvSpPr txBox="1"/>
           <p:nvPr>
             <p:ph type="sldNum" sz="quarter" idx="2"/>
@@ -14708,7 +14686,7 @@
       </p:sp>
       <p:sp>
         <p:nvSpPr>
-          <p:cNvPr id="234" name="DAA/Dynamic Programming"/>
+          <p:cNvPr id="237" name="DAA/Dynamic Programming"/>
           <p:cNvSpPr txBox="1"/>
           <p:nvPr/>
         </p:nvSpPr>
@@ -14748,7 +14726,7 @@
       </p:sp>
       <p:sp>
         <p:nvSpPr>
-          <p:cNvPr id="235" name="RPR/"/>
+          <p:cNvPr id="238" name="RPR/"/>
           <p:cNvSpPr txBox="1"/>
           <p:nvPr/>
         </p:nvSpPr>
@@ -14788,7 +14766,7 @@
       </p:sp>
       <p:graphicFrame>
         <p:nvGraphicFramePr>
-          <p:cNvPr id="236" name="Table"/>
+          <p:cNvPr id="239" name="Table"/>
           <p:cNvGraphicFramePr/>
           <p:nvPr/>
         </p:nvGraphicFramePr>
@@ -16639,7 +16617,7 @@
       </p:graphicFrame>
       <p:sp>
         <p:nvSpPr>
-          <p:cNvPr id="237" name="Optimal subset…"/>
+          <p:cNvPr id="240" name="Optimal subset…"/>
           <p:cNvSpPr txBox="1"/>
           <p:nvPr>
             <p:ph type="body" sz="half" idx="1"/>
@@ -16973,7 +16951,7 @@
       </p:sp>
       <p:grpSp>
         <p:nvGrpSpPr>
-          <p:cNvPr id="244" name="Group"/>
+          <p:cNvPr id="247" name="Group"/>
           <p:cNvGrpSpPr/>
           <p:nvPr/>
         </p:nvGrpSpPr>
@@ -16987,7 +16965,7 @@
         </p:grpSpPr>
         <p:sp>
           <p:nvSpPr>
-            <p:cNvPr id="238" name="0"/>
+            <p:cNvPr id="241" name="0"/>
             <p:cNvSpPr txBox="1"/>
             <p:nvPr/>
           </p:nvSpPr>
@@ -17035,7 +17013,7 @@
         </p:sp>
         <p:sp>
           <p:nvSpPr>
-            <p:cNvPr id="239" name="0"/>
+            <p:cNvPr id="242" name="0"/>
             <p:cNvSpPr txBox="1"/>
             <p:nvPr/>
           </p:nvSpPr>
@@ -17083,7 +17061,7 @@
         </p:sp>
         <p:sp>
           <p:nvSpPr>
-            <p:cNvPr id="240" name="0"/>
+            <p:cNvPr id="243" name="0"/>
             <p:cNvSpPr txBox="1"/>
             <p:nvPr/>
           </p:nvSpPr>
@@ -17131,7 +17109,7 @@
         </p:sp>
         <p:sp>
           <p:nvSpPr>
-            <p:cNvPr id="241" name="0"/>
+            <p:cNvPr id="244" name="0"/>
             <p:cNvSpPr txBox="1"/>
             <p:nvPr/>
           </p:nvSpPr>
@@ -17179,7 +17157,7 @@
         </p:sp>
         <p:sp>
           <p:nvSpPr>
-            <p:cNvPr id="242" name="0"/>
+            <p:cNvPr id="245" name="0"/>
             <p:cNvSpPr txBox="1"/>
             <p:nvPr/>
           </p:nvSpPr>
@@ -17227,7 +17205,7 @@
         </p:sp>
         <p:sp>
           <p:nvSpPr>
-            <p:cNvPr id="243" name="0"/>
+            <p:cNvPr id="246" name="0"/>
             <p:cNvSpPr txBox="1"/>
             <p:nvPr/>
           </p:nvSpPr>
@@ -17276,7 +17254,7 @@
       </p:grpSp>
       <p:grpSp>
         <p:nvGrpSpPr>
-          <p:cNvPr id="249" name="Group"/>
+          <p:cNvPr id="252" name="Group"/>
           <p:cNvGrpSpPr/>
           <p:nvPr/>
         </p:nvGrpSpPr>
@@ -17290,7 +17268,7 @@
         </p:grpSpPr>
         <p:sp>
           <p:nvSpPr>
-            <p:cNvPr id="245" name="0"/>
+            <p:cNvPr id="248" name="0"/>
             <p:cNvSpPr txBox="1"/>
             <p:nvPr/>
           </p:nvSpPr>
@@ -17338,7 +17316,7 @@
         </p:sp>
         <p:sp>
           <p:nvSpPr>
-            <p:cNvPr id="246" name="0"/>
+            <p:cNvPr id="249" name="0"/>
             <p:cNvSpPr txBox="1"/>
             <p:nvPr/>
           </p:nvSpPr>
@@ -17386,7 +17364,7 @@
         </p:sp>
         <p:sp>
           <p:nvSpPr>
-            <p:cNvPr id="247" name="0"/>
+            <p:cNvPr id="250" name="0"/>
             <p:cNvSpPr txBox="1"/>
             <p:nvPr/>
           </p:nvSpPr>
@@ -17434,7 +17412,7 @@
         </p:sp>
         <p:sp>
           <p:nvSpPr>
-            <p:cNvPr id="248" name="0"/>
+            <p:cNvPr id="251" name="0"/>
             <p:cNvSpPr txBox="1"/>
             <p:nvPr/>
           </p:nvSpPr>
@@ -17483,7 +17461,7 @@
       </p:grpSp>
       <p:sp>
         <p:nvSpPr>
-          <p:cNvPr id="250" name="0"/>
+          <p:cNvPr id="253" name="0"/>
           <p:cNvSpPr txBox="1"/>
           <p:nvPr/>
         </p:nvSpPr>
@@ -17528,7 +17506,7 @@
       </p:sp>
       <p:sp>
         <p:nvSpPr>
-          <p:cNvPr id="251" name="12"/>
+          <p:cNvPr id="254" name="12"/>
           <p:cNvSpPr txBox="1"/>
           <p:nvPr/>
         </p:nvSpPr>
@@ -17573,7 +17551,7 @@
       </p:sp>
       <p:sp>
         <p:nvSpPr>
-          <p:cNvPr id="252" name="12"/>
+          <p:cNvPr id="255" name="12"/>
           <p:cNvSpPr txBox="1"/>
           <p:nvPr/>
         </p:nvSpPr>
@@ -17618,14 +17596,14 @@
       </p:sp>
       <p:sp>
         <p:nvSpPr>
-          <p:cNvPr id="253" name="12"/>
+          <p:cNvPr id="256" name="12"/>
           <p:cNvSpPr txBox="1"/>
           <p:nvPr/>
         </p:nvSpPr>
         <p:spPr>
           <a:xfrm>
             <a:off x="7056383" y="2036406"/>
-            <a:ext cx="551246" cy="482601"/>
+            <a:ext cx="551245" cy="482601"/>
           </a:xfrm>
           <a:prstGeom prst="rect">
             <a:avLst/>
@@ -17663,7 +17641,7 @@
       </p:sp>
       <p:sp>
         <p:nvSpPr>
-          <p:cNvPr id="254" name="12"/>
+          <p:cNvPr id="257" name="12"/>
           <p:cNvSpPr txBox="1"/>
           <p:nvPr/>
         </p:nvSpPr>
@@ -17708,7 +17686,7 @@
       </p:sp>
       <p:sp>
         <p:nvSpPr>
-          <p:cNvPr id="255" name="12"/>
+          <p:cNvPr id="258" name="12"/>
           <p:cNvSpPr txBox="1"/>
           <p:nvPr/>
         </p:nvSpPr>
@@ -17753,7 +17731,7 @@
       </p:sp>
       <p:sp>
         <p:nvSpPr>
-          <p:cNvPr id="256" name="10"/>
+          <p:cNvPr id="259" name="10"/>
           <p:cNvSpPr txBox="1"/>
           <p:nvPr/>
         </p:nvSpPr>
@@ -17798,7 +17776,7 @@
       </p:sp>
       <p:sp>
         <p:nvSpPr>
-          <p:cNvPr id="257" name="12"/>
+          <p:cNvPr id="260" name="12"/>
           <p:cNvSpPr txBox="1"/>
           <p:nvPr/>
         </p:nvSpPr>
@@ -17843,7 +17821,7 @@
       </p:sp>
       <p:sp>
         <p:nvSpPr>
-          <p:cNvPr id="258" name="22"/>
+          <p:cNvPr id="261" name="22"/>
           <p:cNvSpPr txBox="1"/>
           <p:nvPr/>
         </p:nvSpPr>
@@ -17888,7 +17866,7 @@
       </p:sp>
       <p:sp>
         <p:nvSpPr>
-          <p:cNvPr id="259" name="22"/>
+          <p:cNvPr id="262" name="22"/>
           <p:cNvSpPr txBox="1"/>
           <p:nvPr/>
         </p:nvSpPr>
@@ -17933,7 +17911,7 @@
       </p:sp>
       <p:sp>
         <p:nvSpPr>
-          <p:cNvPr id="260" name="22"/>
+          <p:cNvPr id="263" name="22"/>
           <p:cNvSpPr txBox="1"/>
           <p:nvPr/>
         </p:nvSpPr>
@@ -17978,7 +17956,7 @@
       </p:sp>
       <p:sp>
         <p:nvSpPr>
-          <p:cNvPr id="261" name="10"/>
+          <p:cNvPr id="264" name="10"/>
           <p:cNvSpPr txBox="1"/>
           <p:nvPr/>
         </p:nvSpPr>
@@ -18023,14 +18001,14 @@
       </p:sp>
       <p:sp>
         <p:nvSpPr>
-          <p:cNvPr id="262" name="22"/>
+          <p:cNvPr id="265" name="22"/>
           <p:cNvSpPr txBox="1"/>
           <p:nvPr/>
         </p:nvSpPr>
         <p:spPr>
           <a:xfrm>
-            <a:off x="7103393" y="3038204"/>
-            <a:ext cx="551245" cy="482601"/>
+            <a:off x="7103392" y="3038204"/>
+            <a:ext cx="551246" cy="482601"/>
           </a:xfrm>
           <a:prstGeom prst="rect">
             <a:avLst/>
@@ -18068,7 +18046,7 @@
       </p:sp>
       <p:sp>
         <p:nvSpPr>
-          <p:cNvPr id="263" name="30"/>
+          <p:cNvPr id="266" name="30"/>
           <p:cNvSpPr txBox="1"/>
           <p:nvPr/>
         </p:nvSpPr>
@@ -18113,7 +18091,7 @@
       </p:sp>
       <p:sp>
         <p:nvSpPr>
-          <p:cNvPr id="264" name="32"/>
+          <p:cNvPr id="267" name="32"/>
           <p:cNvSpPr txBox="1"/>
           <p:nvPr/>
         </p:nvSpPr>
@@ -18158,7 +18136,7 @@
       </p:sp>
       <p:sp>
         <p:nvSpPr>
-          <p:cNvPr id="265" name="10"/>
+          <p:cNvPr id="268" name="10"/>
           <p:cNvSpPr txBox="1"/>
           <p:nvPr/>
         </p:nvSpPr>
@@ -18203,13 +18181,58 @@
       </p:sp>
       <p:sp>
         <p:nvSpPr>
-          <p:cNvPr id="266" name="15"/>
+          <p:cNvPr id="269" name="15"/>
           <p:cNvSpPr txBox="1"/>
           <p:nvPr/>
         </p:nvSpPr>
         <p:spPr>
           <a:xfrm>
-            <a:off x="6336906" y="3486046"/>
+            <a:off x="6336907" y="3486046"/>
+            <a:ext cx="551245" cy="482601"/>
+          </a:xfrm>
+          <a:prstGeom prst="rect">
+            <a:avLst/>
+          </a:prstGeom>
+          <a:ln w="12700">
+            <a:miter lim="400000"/>
+          </a:ln>
+          <a:extLst>
+            <a:ext uri="{C572A759-6A51-4108-AA02-DFA0A04FC94B}">
+              <ma14:wrappingTextBoxFlag xmlns:ma14="http://schemas.microsoft.com/office/mac/drawingml/2011/main" val="1"/>
+            </a:ext>
+          </a:extLst>
+        </p:spPr>
+        <p:txBody>
+          <a:bodyPr wrap="none" lIns="50800" tIns="50800" rIns="50800" bIns="50800" anchor="ctr">
+            <a:spAutoFit/>
+          </a:bodyPr>
+          <a:lstStyle>
+            <a:lvl1pPr>
+              <a:defRPr b="1" sz="2600">
+                <a:latin typeface="Courier New"/>
+                <a:ea typeface="Courier New"/>
+                <a:cs typeface="Courier New"/>
+                <a:sym typeface="Courier New"/>
+              </a:defRPr>
+            </a:lvl1pPr>
+          </a:lstStyle>
+          <a:p>
+            <a:pPr/>
+            <a:r>
+              <a:t>15</a:t>
+            </a:r>
+          </a:p>
+        </p:txBody>
+      </p:sp>
+      <p:sp>
+        <p:nvSpPr>
+          <p:cNvPr id="270" name="25"/>
+          <p:cNvSpPr txBox="1"/>
+          <p:nvPr/>
+        </p:nvSpPr>
+        <p:spPr>
+          <a:xfrm>
+            <a:off x="7103392" y="3486046"/>
             <a:ext cx="551246" cy="482601"/>
           </a:xfrm>
           <a:prstGeom prst="rect">
@@ -18241,21 +18264,21 @@
           <a:p>
             <a:pPr/>
             <a:r>
-              <a:t>15</a:t>
+              <a:t>25</a:t>
             </a:r>
           </a:p>
         </p:txBody>
       </p:sp>
       <p:sp>
         <p:nvSpPr>
-          <p:cNvPr id="267" name="25"/>
+          <p:cNvPr id="271" name="30"/>
           <p:cNvSpPr txBox="1"/>
           <p:nvPr/>
         </p:nvSpPr>
         <p:spPr>
           <a:xfrm>
-            <a:off x="7103393" y="3486046"/>
-            <a:ext cx="551245" cy="482601"/>
+            <a:off x="7891081" y="3486046"/>
+            <a:ext cx="551246" cy="482601"/>
           </a:xfrm>
           <a:prstGeom prst="rect">
             <a:avLst/>
@@ -18286,59 +18309,14 @@
           <a:p>
             <a:pPr/>
             <a:r>
-              <a:t>25</a:t>
+              <a:t>30</a:t>
             </a:r>
           </a:p>
         </p:txBody>
       </p:sp>
       <p:sp>
         <p:nvSpPr>
-          <p:cNvPr id="268" name="30"/>
-          <p:cNvSpPr txBox="1"/>
-          <p:nvPr/>
-        </p:nvSpPr>
-        <p:spPr>
-          <a:xfrm>
-            <a:off x="7891082" y="3486046"/>
-            <a:ext cx="551245" cy="482601"/>
-          </a:xfrm>
-          <a:prstGeom prst="rect">
-            <a:avLst/>
-          </a:prstGeom>
-          <a:ln w="12700">
-            <a:miter lim="400000"/>
-          </a:ln>
-          <a:extLst>
-            <a:ext uri="{C572A759-6A51-4108-AA02-DFA0A04FC94B}">
-              <ma14:wrappingTextBoxFlag xmlns:ma14="http://schemas.microsoft.com/office/mac/drawingml/2011/main" val="1"/>
-            </a:ext>
-          </a:extLst>
-        </p:spPr>
-        <p:txBody>
-          <a:bodyPr wrap="none" lIns="50800" tIns="50800" rIns="50800" bIns="50800" anchor="ctr">
-            <a:spAutoFit/>
-          </a:bodyPr>
-          <a:lstStyle>
-            <a:lvl1pPr>
-              <a:defRPr b="1" sz="2600">
-                <a:latin typeface="Courier New"/>
-                <a:ea typeface="Courier New"/>
-                <a:cs typeface="Courier New"/>
-                <a:sym typeface="Courier New"/>
-              </a:defRPr>
-            </a:lvl1pPr>
-          </a:lstStyle>
-          <a:p>
-            <a:pPr/>
-            <a:r>
-              <a:t>30</a:t>
-            </a:r>
-          </a:p>
-        </p:txBody>
-      </p:sp>
-      <p:sp>
-        <p:nvSpPr>
-          <p:cNvPr id="269" name="37"/>
+          <p:cNvPr id="272" name="37"/>
           <p:cNvSpPr txBox="1"/>
           <p:nvPr/>
         </p:nvSpPr>
@@ -18383,7 +18361,7 @@
       </p:sp>
       <p:sp>
         <p:nvSpPr>
-          <p:cNvPr id="270" name="Example Knapsack: Optimal Subset"/>
+          <p:cNvPr id="273" name="Example Knapsack: Optimal Subset"/>
           <p:cNvSpPr txBox="1"/>
           <p:nvPr>
             <p:ph type="title"/>
@@ -18411,7 +18389,7 @@
       </p:sp>
       <p:sp>
         <p:nvSpPr>
-          <p:cNvPr id="271" name="Line"/>
+          <p:cNvPr id="274" name="Line"/>
           <p:cNvSpPr/>
           <p:nvPr/>
         </p:nvSpPr>
@@ -18439,7 +18417,7 @@
       </p:sp>
       <p:sp>
         <p:nvSpPr>
-          <p:cNvPr id="272" name="Line"/>
+          <p:cNvPr id="275" name="Line"/>
           <p:cNvSpPr/>
           <p:nvPr/>
         </p:nvSpPr>
@@ -18471,7 +18449,7 @@
       </p:sp>
       <p:sp>
         <p:nvSpPr>
-          <p:cNvPr id="273" name="Line"/>
+          <p:cNvPr id="276" name="Line"/>
           <p:cNvSpPr/>
           <p:nvPr/>
         </p:nvSpPr>
@@ -18502,14 +18480,14 @@
       </p:sp>
       <p:sp>
         <p:nvSpPr>
-          <p:cNvPr id="274" name="Line"/>
+          <p:cNvPr id="277" name="Line"/>
           <p:cNvSpPr/>
           <p:nvPr/>
         </p:nvSpPr>
         <p:spPr>
           <a:xfrm>
-            <a:off x="4888926" y="1731204"/>
-            <a:ext cx="1400950" cy="446249"/>
+            <a:off x="4888926" y="1731203"/>
+            <a:ext cx="1400950" cy="446250"/>
           </a:xfrm>
           <a:prstGeom prst="line">
             <a:avLst/>
@@ -18567,7 +18545,7 @@
                                       <p:cBhvr>
                                         <p:cTn id="6" fill="hold"/>
                                         <p:tgtEl>
-                                          <p:spTgt spid="237">
+                                          <p:spTgt spid="240">
                                             <p:bg/>
                                           </p:spTgt>
                                         </p:tgtEl>
@@ -18595,7 +18573,7 @@
                                       <p:cBhvr>
                                         <p:cTn id="8" fill="hold"/>
                                         <p:tgtEl>
-                                          <p:spTgt spid="237">
+                                          <p:spTgt spid="240">
                                             <p:txEl>
                                               <p:pRg st="0" end="0"/>
                                             </p:txEl>
@@ -18643,7 +18621,7 @@
                                       <p:cBhvr>
                                         <p:cTn id="12" fill="hold"/>
                                         <p:tgtEl>
-                                          <p:spTgt spid="237">
+                                          <p:spTgt spid="240">
                                             <p:txEl>
                                               <p:pRg st="1" end="1"/>
                                             </p:txEl>
@@ -18691,7 +18669,7 @@
                                       <p:cBhvr>
                                         <p:cTn id="16" fill="hold"/>
                                         <p:tgtEl>
-                                          <p:spTgt spid="237">
+                                          <p:spTgt spid="240">
                                             <p:txEl>
                                               <p:pRg st="2" end="2"/>
                                             </p:txEl>
@@ -18739,7 +18717,7 @@
                                       <p:cBhvr>
                                         <p:cTn id="20" fill="hold"/>
                                         <p:tgtEl>
-                                          <p:spTgt spid="237">
+                                          <p:spTgt spid="240">
                                             <p:txEl>
                                               <p:pRg st="3" end="3"/>
                                             </p:txEl>
@@ -18787,7 +18765,7 @@
                                       <p:cBhvr>
                                         <p:cTn id="24" fill="hold"/>
                                         <p:tgtEl>
-                                          <p:spTgt spid="271"/>
+                                          <p:spTgt spid="274"/>
                                         </p:tgtEl>
                                         <p:attrNameLst>
                                           <p:attrName>style.visibility</p:attrName>
@@ -18831,7 +18809,7 @@
                                       <p:cBhvr>
                                         <p:cTn id="28" fill="hold"/>
                                         <p:tgtEl>
-                                          <p:spTgt spid="237">
+                                          <p:spTgt spid="240">
                                             <p:txEl>
                                               <p:pRg st="4" end="4"/>
                                             </p:txEl>
@@ -18879,7 +18857,7 @@
                                       <p:cBhvr>
                                         <p:cTn id="32" fill="hold"/>
                                         <p:tgtEl>
-                                          <p:spTgt spid="272"/>
+                                          <p:spTgt spid="275"/>
                                         </p:tgtEl>
                                         <p:attrNameLst>
                                           <p:attrName>style.visibility</p:attrName>
@@ -18923,7 +18901,7 @@
                                       <p:cBhvr>
                                         <p:cTn id="36" fill="hold"/>
                                         <p:tgtEl>
-                                          <p:spTgt spid="237">
+                                          <p:spTgt spid="240">
                                             <p:txEl>
                                               <p:pRg st="5" end="5"/>
                                             </p:txEl>
@@ -18971,7 +18949,7 @@
                                       <p:cBhvr>
                                         <p:cTn id="40" fill="hold"/>
                                         <p:tgtEl>
-                                          <p:spTgt spid="273"/>
+                                          <p:spTgt spid="276"/>
                                         </p:tgtEl>
                                         <p:attrNameLst>
                                           <p:attrName>style.visibility</p:attrName>
@@ -19015,7 +18993,7 @@
                                       <p:cBhvr>
                                         <p:cTn id="44" fill="hold"/>
                                         <p:tgtEl>
-                                          <p:spTgt spid="237">
+                                          <p:spTgt spid="240">
                                             <p:txEl>
                                               <p:pRg st="6" end="6"/>
                                             </p:txEl>
@@ -19063,7 +19041,7 @@
                                       <p:cBhvr>
                                         <p:cTn id="48" fill="hold"/>
                                         <p:tgtEl>
-                                          <p:spTgt spid="274"/>
+                                          <p:spTgt spid="277"/>
                                         </p:tgtEl>
                                         <p:attrNameLst>
                                           <p:attrName>style.visibility</p:attrName>
@@ -19104,11 +19082,11 @@
       </p:par>
     </p:tnLst>
     <p:bldLst>
-      <p:bldP build="whole" bldLvl="1" animBg="1" rev="0" advAuto="0" spid="272" grpId="3"/>
-      <p:bldP build="p" bldLvl="5" animBg="1" rev="0" advAuto="0" spid="237" grpId="1"/>
-      <p:bldP build="whole" bldLvl="1" animBg="1" rev="0" advAuto="0" spid="274" grpId="5"/>
-      <p:bldP build="whole" bldLvl="1" animBg="1" rev="0" advAuto="0" spid="271" grpId="2"/>
-      <p:bldP build="whole" bldLvl="1" animBg="1" rev="0" advAuto="0" spid="273" grpId="4"/>
+      <p:bldP build="whole" bldLvl="1" animBg="1" rev="0" advAuto="0" spid="276" grpId="4"/>
+      <p:bldP build="whole" bldLvl="1" animBg="1" rev="0" advAuto="0" spid="274" grpId="2"/>
+      <p:bldP build="whole" bldLvl="1" animBg="1" rev="0" advAuto="0" spid="275" grpId="3"/>
+      <p:bldP build="whole" bldLvl="1" animBg="1" rev="0" advAuto="0" spid="277" grpId="5"/>
+      <p:bldP build="p" bldLvl="5" animBg="1" rev="0" advAuto="0" spid="240" grpId="1"/>
     </p:bldLst>
   </p:timing>
 </p:sld>
@@ -19133,7 +19111,7 @@
       </p:grpSpPr>
       <p:sp>
         <p:nvSpPr>
-          <p:cNvPr id="276" name="Algorithm: Knapsack using DP"/>
+          <p:cNvPr id="279" name="Algorithm: Knapsack using DP"/>
           <p:cNvSpPr txBox="1"/>
           <p:nvPr>
             <p:ph type="title"/>
@@ -19157,7 +19135,7 @@
       </p:sp>
       <p:sp>
         <p:nvSpPr>
-          <p:cNvPr id="277" name="Slide Number"/>
+          <p:cNvPr id="280" name="Slide Number"/>
           <p:cNvSpPr txBox="1"/>
           <p:nvPr>
             <p:ph type="sldNum" sz="quarter" idx="2"/>
@@ -19184,7 +19162,7 @@
       </p:sp>
       <p:sp>
         <p:nvSpPr>
-          <p:cNvPr id="278" name="DAA/Dynamic Programming"/>
+          <p:cNvPr id="281" name="DAA/Dynamic Programming"/>
           <p:cNvSpPr txBox="1"/>
           <p:nvPr/>
         </p:nvSpPr>
@@ -19224,7 +19202,7 @@
       </p:sp>
       <p:sp>
         <p:nvSpPr>
-          <p:cNvPr id="279" name="RPR/"/>
+          <p:cNvPr id="282" name="RPR/"/>
           <p:cNvSpPr txBox="1"/>
           <p:nvPr/>
         </p:nvSpPr>
@@ -19264,7 +19242,7 @@
       </p:sp>
       <p:sp>
         <p:nvSpPr>
-          <p:cNvPr id="280" name="Algo DPKnapsack(w[1..n], v[1..n], W)…"/>
+          <p:cNvPr id="283" name="Algo DPKnapsack(w[1..n], v[1..n], W)…"/>
           <p:cNvSpPr txBox="1"/>
           <p:nvPr>
             <p:ph type="body" idx="1"/>
@@ -20268,7 +20246,7 @@
       </p:grpSpPr>
       <p:sp>
         <p:nvSpPr>
-          <p:cNvPr id="282" name="Efficiency of Knapsack"/>
+          <p:cNvPr id="285" name="Efficiency of Knapsack"/>
           <p:cNvSpPr txBox="1"/>
           <p:nvPr>
             <p:ph type="title"/>
@@ -20292,7 +20270,7 @@
       </p:sp>
       <p:sp>
         <p:nvSpPr>
-          <p:cNvPr id="283" name="Time Efficiency: Θ(nW)…"/>
+          <p:cNvPr id="286" name="Time Efficiency: Θ(nW)…"/>
           <p:cNvSpPr txBox="1"/>
           <p:nvPr>
             <p:ph type="body" idx="1"/>
@@ -20353,7 +20331,7 @@
       </p:sp>
       <p:sp>
         <p:nvSpPr>
-          <p:cNvPr id="284" name="Slide Number"/>
+          <p:cNvPr id="287" name="Slide Number"/>
           <p:cNvSpPr txBox="1"/>
           <p:nvPr>
             <p:ph type="sldNum" sz="quarter" idx="2"/>
@@ -20380,7 +20358,7 @@
       </p:sp>
       <p:sp>
         <p:nvSpPr>
-          <p:cNvPr id="285" name="DAA/Dynamic Programming"/>
+          <p:cNvPr id="288" name="DAA/Dynamic Programming"/>
           <p:cNvSpPr txBox="1"/>
           <p:nvPr/>
         </p:nvSpPr>
@@ -20420,7 +20398,7 @@
       </p:sp>
       <p:sp>
         <p:nvSpPr>
-          <p:cNvPr id="286" name="RPR/"/>
+          <p:cNvPr id="289" name="RPR/"/>
           <p:cNvSpPr txBox="1"/>
           <p:nvPr/>
         </p:nvSpPr>
@@ -20497,7 +20475,7 @@
                                       <p:cBhvr>
                                         <p:cTn id="6" fill="hold"/>
                                         <p:tgtEl>
-                                          <p:spTgt spid="283">
+                                          <p:spTgt spid="286">
                                             <p:bg/>
                                           </p:spTgt>
                                         </p:tgtEl>
@@ -20525,7 +20503,7 @@
                                       <p:cBhvr>
                                         <p:cTn id="8" fill="hold"/>
                                         <p:tgtEl>
-                                          <p:spTgt spid="283">
+                                          <p:spTgt spid="286">
                                             <p:txEl>
                                               <p:pRg st="0" end="0"/>
                                             </p:txEl>
@@ -20573,7 +20551,7 @@
                                       <p:cBhvr>
                                         <p:cTn id="12" fill="hold"/>
                                         <p:tgtEl>
-                                          <p:spTgt spid="283">
+                                          <p:spTgt spid="286">
                                             <p:txEl>
                                               <p:pRg st="1" end="1"/>
                                             </p:txEl>
@@ -20618,7 +20596,7 @@
       </p:par>
     </p:tnLst>
     <p:bldLst>
-      <p:bldP build="p" bldLvl="5" animBg="1" rev="0" advAuto="0" spid="283" grpId="1"/>
+      <p:bldP build="p" bldLvl="5" animBg="1" rev="0" advAuto="0" spid="286" grpId="1"/>
     </p:bldLst>
   </p:timing>
 </p:sld>
@@ -20643,7 +20621,7 @@
       </p:grpSpPr>
       <p:sp>
         <p:nvSpPr>
-          <p:cNvPr id="288" name="Summary"/>
+          <p:cNvPr id="291" name="Summary"/>
           <p:cNvSpPr txBox="1"/>
           <p:nvPr>
             <p:ph type="title"/>
@@ -20667,7 +20645,7 @@
       </p:sp>
       <p:sp>
         <p:nvSpPr>
-          <p:cNvPr id="289" name="Knapsack algorithm using dynamic programming…"/>
+          <p:cNvPr id="292" name="Knapsack algorithm using dynamic programming…"/>
           <p:cNvSpPr txBox="1"/>
           <p:nvPr>
             <p:ph type="body" idx="1"/>
@@ -20703,7 +20681,7 @@
       </p:sp>
       <p:sp>
         <p:nvSpPr>
-          <p:cNvPr id="290" name="Slide Number"/>
+          <p:cNvPr id="293" name="Slide Number"/>
           <p:cNvSpPr txBox="1"/>
           <p:nvPr>
             <p:ph type="sldNum" sz="quarter" idx="2"/>
@@ -20730,7 +20708,7 @@
       </p:sp>
       <p:sp>
         <p:nvSpPr>
-          <p:cNvPr id="291" name="DAA/Dynamic Programming"/>
+          <p:cNvPr id="294" name="DAA/Dynamic Programming"/>
           <p:cNvSpPr txBox="1"/>
           <p:nvPr/>
         </p:nvSpPr>
@@ -20770,7 +20748,7 @@
       </p:sp>
       <p:sp>
         <p:nvSpPr>
-          <p:cNvPr id="292" name="RPR/"/>
+          <p:cNvPr id="295" name="RPR/"/>
           <p:cNvSpPr txBox="1"/>
           <p:nvPr/>
         </p:nvSpPr>
@@ -20847,7 +20825,7 @@
                                       <p:cBhvr>
                                         <p:cTn id="6" fill="hold"/>
                                         <p:tgtEl>
-                                          <p:spTgt spid="289">
+                                          <p:spTgt spid="292">
                                             <p:bg/>
                                           </p:spTgt>
                                         </p:tgtEl>
@@ -20875,7 +20853,7 @@
                                       <p:cBhvr>
                                         <p:cTn id="8" fill="hold"/>
                                         <p:tgtEl>
-                                          <p:spTgt spid="289">
+                                          <p:spTgt spid="292">
                                             <p:txEl>
                                               <p:pRg st="0" end="0"/>
                                             </p:txEl>
@@ -20923,7 +20901,7 @@
                                       <p:cBhvr>
                                         <p:cTn id="12" fill="hold"/>
                                         <p:tgtEl>
-                                          <p:spTgt spid="289">
+                                          <p:spTgt spid="292">
                                             <p:txEl>
                                               <p:pRg st="1" end="1"/>
                                             </p:txEl>
@@ -20971,7 +20949,7 @@
                                       <p:cBhvr>
                                         <p:cTn id="16" fill="hold"/>
                                         <p:tgtEl>
-                                          <p:spTgt spid="289">
+                                          <p:spTgt spid="292">
                                             <p:txEl>
                                               <p:pRg st="2" end="2"/>
                                             </p:txEl>
@@ -21016,7 +20994,7 @@
       </p:par>
     </p:tnLst>
     <p:bldLst>
-      <p:bldP build="p" bldLvl="5" animBg="1" rev="0" advAuto="0" spid="289" grpId="1"/>
+      <p:bldP build="p" bldLvl="5" animBg="1" rev="0" advAuto="0" spid="292" grpId="1"/>
     </p:bldLst>
   </p:timing>
 </p:sld>
@@ -22400,7 +22378,19 @@
               </a:defRPr>
             </a:pPr>
             <a:r>
-              <a:t>Approach: divide first i items into two categories:</a:t>
+              <a:t>Approach: divide first </a:t>
+            </a:r>
+            <a:r>
+              <a:rPr>
+                <a:latin typeface="Courier New"/>
+                <a:ea typeface="Courier New"/>
+                <a:cs typeface="Courier New"/>
+                <a:sym typeface="Courier New"/>
+              </a:rPr>
+              <a:t>i</a:t>
+            </a:r>
+            <a:r>
+              <a:t> items into two categories:</a:t>
             </a:r>
           </a:p>
           <a:p>
@@ -24241,16 +24231,6 @@
                           <a:sym typeface="Courier New"/>
                         </a:defRPr>
                       </a:pPr>
-                      <a:r>
-                        <a:t>V[i-1,j-w</a:t>
-                      </a:r>
-                      <a:r>
-                        <a:rPr baseline="-5999"/>
-                        <a:t>i</a:t>
-                      </a:r>
-                      <a:r>
-                        <a:t>]</a:t>
-                      </a:r>
                     </a:p>
                   </a:txBody>
                   <a:tcPr marL="50800" marR="50800" marT="50800" marB="50800" anchor="ctr" anchorCtr="0" horzOverflow="overflow"/>
@@ -24296,24 +24276,13 @@
                         <a:tabLst>
                           <a:tab pos="914400" algn="l"/>
                         </a:tabLst>
-                        <a:defRPr sz="1800">
-                          <a:uFillTx/>
-                        </a:defRPr>
-                      </a:pPr>
-                      <a:r>
-                        <a:rPr b="1" sz="2400">
-                          <a:uFill>
-                            <a:solidFill>
-                              <a:srgbClr val="000000"/>
-                            </a:solidFill>
-                          </a:uFill>
+                        <a:defRPr b="1" sz="2400">
                           <a:latin typeface="Courier New"/>
                           <a:ea typeface="Courier New"/>
                           <a:cs typeface="Courier New"/>
                           <a:sym typeface="Courier New"/>
-                        </a:rPr>
-                        <a:t>V[i-1,j]</a:t>
-                      </a:r>
+                        </a:defRPr>
+                      </a:pPr>
                     </a:p>
                   </a:txBody>
                   <a:tcPr marL="50800" marR="50800" marT="50800" marB="50800" anchor="ctr" anchorCtr="0" horzOverflow="overflow"/>
@@ -24546,24 +24515,13 @@
                         <a:tabLst>
                           <a:tab pos="914400" algn="l"/>
                         </a:tabLst>
-                        <a:defRPr sz="1800">
-                          <a:uFillTx/>
-                        </a:defRPr>
-                      </a:pPr>
-                      <a:r>
-                        <a:rPr b="1" sz="2600">
-                          <a:uFill>
-                            <a:solidFill>
-                              <a:srgbClr val="000000"/>
-                            </a:solidFill>
-                          </a:uFill>
+                        <a:defRPr b="1" sz="2600">
                           <a:latin typeface="Courier New"/>
                           <a:ea typeface="Courier New"/>
                           <a:cs typeface="Courier New"/>
                           <a:sym typeface="Courier New"/>
-                        </a:rPr>
-                        <a:t>V[i,j]</a:t>
-                      </a:r>
+                        </a:defRPr>
+                      </a:pPr>
                     </a:p>
                   </a:txBody>
                   <a:tcPr marL="50800" marR="50800" marT="50800" marB="50800" anchor="ctr" anchorCtr="0" horzOverflow="overflow"/>
@@ -25162,8 +25120,8 @@
         </p:nvSpPr>
         <p:spPr>
           <a:xfrm>
-            <a:off x="726774" y="4053810"/>
-            <a:ext cx="9055611" cy="601828"/>
+            <a:off x="726774" y="4053811"/>
+            <a:ext cx="9055611" cy="601827"/>
           </a:xfrm>
           <a:prstGeom prst="rect">
             <a:avLst/>
@@ -25212,7 +25170,7 @@
         <p:spPr>
           <a:xfrm>
             <a:off x="726774" y="4729550"/>
-            <a:ext cx="9055611" cy="2184744"/>
+            <a:ext cx="7077602" cy="2184744"/>
           </a:xfrm>
           <a:prstGeom prst="rect">
             <a:avLst/>
@@ -25391,7 +25349,7 @@
               </a:defRPr>
             </a:pPr>
             <a:r>
-              <a:t>Thus j</a:t>
+              <a:t>Thus </a:t>
             </a:r>
             <a:r>
               <a:rPr>
@@ -25400,7 +25358,7 @@
                 <a:cs typeface="Courier New"/>
                 <a:sym typeface="Courier New"/>
               </a:rPr>
-              <a:t>&gt;w</a:t>
+              <a:t>j&gt;w</a:t>
             </a:r>
             <a:r>
               <a:rPr baseline="-5999">
@@ -25520,6 +25478,173 @@
                 <a:cs typeface="Courier New"/>
                 <a:sym typeface="Courier New"/>
               </a:rPr>
+              <a:t>]</a:t>
+            </a:r>
+          </a:p>
+        </p:txBody>
+      </p:sp>
+      <p:sp>
+        <p:nvSpPr>
+          <p:cNvPr id="72" name="V[i,j]"/>
+          <p:cNvSpPr txBox="1"/>
+          <p:nvPr/>
+        </p:nvSpPr>
+        <p:spPr>
+          <a:xfrm>
+            <a:off x="6307238" y="2853675"/>
+            <a:ext cx="1303214" cy="482601"/>
+          </a:xfrm>
+          <a:prstGeom prst="rect">
+            <a:avLst/>
+          </a:prstGeom>
+          <a:ln w="12700">
+            <a:miter lim="400000"/>
+          </a:ln>
+          <a:extLst>
+            <a:ext uri="{C572A759-6A51-4108-AA02-DFA0A04FC94B}">
+              <ma14:wrappingTextBoxFlag xmlns:ma14="http://schemas.microsoft.com/office/mac/drawingml/2011/main" val="1"/>
+            </a:ext>
+          </a:extLst>
+        </p:spPr>
+        <p:txBody>
+          <a:bodyPr wrap="none" lIns="50800" tIns="50800" rIns="50800" bIns="50800" anchor="ctr">
+            <a:spAutoFit/>
+          </a:bodyPr>
+          <a:lstStyle>
+            <a:lvl1pPr marL="0" algn="ctr">
+              <a:lnSpc>
+                <a:spcPct val="90000"/>
+              </a:lnSpc>
+              <a:spcBef>
+                <a:spcPts val="700"/>
+              </a:spcBef>
+              <a:tabLst>
+                <a:tab pos="914400" algn="l"/>
+              </a:tabLst>
+              <a:defRPr b="1" sz="2600">
+                <a:latin typeface="Courier New"/>
+                <a:ea typeface="Courier New"/>
+                <a:cs typeface="Courier New"/>
+                <a:sym typeface="Courier New"/>
+              </a:defRPr>
+            </a:lvl1pPr>
+          </a:lstStyle>
+          <a:p>
+            <a:pPr/>
+            <a:r>
+              <a:t>V[i,j]</a:t>
+            </a:r>
+          </a:p>
+        </p:txBody>
+      </p:sp>
+      <p:sp>
+        <p:nvSpPr>
+          <p:cNvPr id="73" name="V[i-1,j]"/>
+          <p:cNvSpPr txBox="1"/>
+          <p:nvPr/>
+        </p:nvSpPr>
+        <p:spPr>
+          <a:xfrm>
+            <a:off x="6109086" y="2447783"/>
+            <a:ext cx="1699519" cy="482601"/>
+          </a:xfrm>
+          <a:prstGeom prst="rect">
+            <a:avLst/>
+          </a:prstGeom>
+          <a:ln w="12700">
+            <a:miter lim="400000"/>
+          </a:ln>
+          <a:extLst>
+            <a:ext uri="{C572A759-6A51-4108-AA02-DFA0A04FC94B}">
+              <ma14:wrappingTextBoxFlag xmlns:ma14="http://schemas.microsoft.com/office/mac/drawingml/2011/main" val="1"/>
+            </a:ext>
+          </a:extLst>
+        </p:spPr>
+        <p:txBody>
+          <a:bodyPr wrap="none" lIns="50800" tIns="50800" rIns="50800" bIns="50800" anchor="ctr">
+            <a:spAutoFit/>
+          </a:bodyPr>
+          <a:lstStyle>
+            <a:lvl1pPr marL="0" algn="ctr">
+              <a:lnSpc>
+                <a:spcPct val="90000"/>
+              </a:lnSpc>
+              <a:spcBef>
+                <a:spcPts val="700"/>
+              </a:spcBef>
+              <a:tabLst>
+                <a:tab pos="914400" algn="l"/>
+              </a:tabLst>
+              <a:defRPr b="1" sz="2600">
+                <a:latin typeface="Courier New"/>
+                <a:ea typeface="Courier New"/>
+                <a:cs typeface="Courier New"/>
+                <a:sym typeface="Courier New"/>
+              </a:defRPr>
+            </a:lvl1pPr>
+          </a:lstStyle>
+          <a:p>
+            <a:pPr/>
+            <a:r>
+              <a:t>V[i-1,j]</a:t>
+            </a:r>
+          </a:p>
+        </p:txBody>
+      </p:sp>
+      <p:sp>
+        <p:nvSpPr>
+          <p:cNvPr id="74" name="V[i-1,j-wi]"/>
+          <p:cNvSpPr txBox="1"/>
+          <p:nvPr/>
+        </p:nvSpPr>
+        <p:spPr>
+          <a:xfrm>
+            <a:off x="3151612" y="2447783"/>
+            <a:ext cx="2227925" cy="482601"/>
+          </a:xfrm>
+          <a:prstGeom prst="rect">
+            <a:avLst/>
+          </a:prstGeom>
+          <a:ln w="12700">
+            <a:miter lim="400000"/>
+          </a:ln>
+          <a:extLst>
+            <a:ext uri="{C572A759-6A51-4108-AA02-DFA0A04FC94B}">
+              <ma14:wrappingTextBoxFlag xmlns:ma14="http://schemas.microsoft.com/office/mac/drawingml/2011/main" val="1"/>
+            </a:ext>
+          </a:extLst>
+        </p:spPr>
+        <p:txBody>
+          <a:bodyPr wrap="none" lIns="50800" tIns="50800" rIns="50800" bIns="50800" anchor="ctr">
+            <a:spAutoFit/>
+          </a:bodyPr>
+          <a:lstStyle/>
+          <a:p>
+            <a:pPr marL="0" algn="ctr">
+              <a:lnSpc>
+                <a:spcPct val="90000"/>
+              </a:lnSpc>
+              <a:spcBef>
+                <a:spcPts val="700"/>
+              </a:spcBef>
+              <a:tabLst>
+                <a:tab pos="914400" algn="l"/>
+              </a:tabLst>
+              <a:defRPr b="1" sz="2600">
+                <a:latin typeface="Courier New"/>
+                <a:ea typeface="Courier New"/>
+                <a:cs typeface="Courier New"/>
+                <a:sym typeface="Courier New"/>
+              </a:defRPr>
+            </a:pPr>
+            <a:r>
+              <a:t>V[i-1,j-w</a:t>
+            </a:r>
+            <a:r>
+              <a:rPr baseline="-5999"/>
+              <a:t>i</a:t>
+            </a:r>
+            <a:r>
               <a:t>]</a:t>
             </a:r>
           </a:p>
@@ -25640,39 +25765,7 @@
                                       <p:cBhvr>
                                         <p:cTn id="12" fill="hold"/>
                                         <p:tgtEl>
-                                          <p:spTgt spid="71">
-                                            <p:bg/>
-                                          </p:spTgt>
-                                        </p:tgtEl>
-                                        <p:attrNameLst>
-                                          <p:attrName>style.visibility</p:attrName>
-                                        </p:attrNameLst>
-                                      </p:cBhvr>
-                                      <p:to>
-                                        <p:strVal val="visible"/>
-                                      </p:to>
-                                    </p:set>
-                                  </p:childTnLst>
-                                </p:cTn>
-                              </p:par>
-                              <p:par>
-                                <p:cTn id="13" presetClass="entr" nodeType="withEffect" presetSubtype="0" presetID="1" grpId="2" fill="hold">
-                                  <p:stCondLst>
-                                    <p:cond delay="0"/>
-                                  </p:stCondLst>
-                                  <p:iterate type="el" backwards="0">
-                                    <p:tmAbs val="0"/>
-                                  </p:iterate>
-                                  <p:childTnLst>
-                                    <p:set>
-                                      <p:cBhvr>
-                                        <p:cTn id="14" fill="hold"/>
-                                        <p:tgtEl>
-                                          <p:spTgt spid="71">
-                                            <p:txEl>
-                                              <p:pRg st="0" end="0"/>
-                                            </p:txEl>
-                                          </p:spTgt>
+                                          <p:spTgt spid="72"/>
                                         </p:tgtEl>
                                         <p:attrNameLst>
                                           <p:attrName>style.visibility</p:attrName>
@@ -25692,19 +25785,47 @@
                     </p:cTn>
                   </p:par>
                   <p:par>
-                    <p:cTn id="15" fill="hold">
+                    <p:cTn id="13" fill="hold">
                       <p:stCondLst>
                         <p:cond delay="indefinite"/>
                       </p:stCondLst>
                       <p:childTnLst>
                         <p:par>
-                          <p:cTn id="16" fill="hold">
+                          <p:cTn id="14" fill="hold">
                             <p:stCondLst>
                               <p:cond delay="0"/>
                             </p:stCondLst>
                             <p:childTnLst>
                               <p:par>
-                                <p:cTn id="17" presetClass="entr" nodeType="clickEffect" presetSubtype="0" presetID="1" grpId="2" fill="hold">
+                                <p:cTn id="15" presetClass="entr" nodeType="clickEffect" presetSubtype="0" presetID="1" grpId="3" fill="hold">
+                                  <p:stCondLst>
+                                    <p:cond delay="0"/>
+                                  </p:stCondLst>
+                                  <p:iterate type="el" backwards="0">
+                                    <p:tmAbs val="0"/>
+                                  </p:iterate>
+                                  <p:childTnLst>
+                                    <p:set>
+                                      <p:cBhvr>
+                                        <p:cTn id="16" fill="hold"/>
+                                        <p:tgtEl>
+                                          <p:spTgt spid="71">
+                                            <p:bg/>
+                                          </p:spTgt>
+                                        </p:tgtEl>
+                                        <p:attrNameLst>
+                                          <p:attrName>style.visibility</p:attrName>
+                                        </p:attrNameLst>
+                                      </p:cBhvr>
+                                      <p:to>
+                                        <p:strVal val="visible"/>
+                                      </p:to>
+                                    </p:set>
+                                  </p:childTnLst>
+                                </p:cTn>
+                              </p:par>
+                              <p:par>
+                                <p:cTn id="17" presetClass="entr" nodeType="withEffect" presetSubtype="0" presetID="1" grpId="3" fill="hold">
                                   <p:stCondLst>
                                     <p:cond delay="0"/>
                                   </p:stCondLst>
@@ -25718,7 +25839,7 @@
                                         <p:tgtEl>
                                           <p:spTgt spid="71">
                                             <p:txEl>
-                                              <p:pRg st="1" end="1"/>
+                                              <p:pRg st="0" end="0"/>
                                             </p:txEl>
                                           </p:spTgt>
                                         </p:tgtEl>
@@ -25752,7 +25873,7 @@
                             </p:stCondLst>
                             <p:childTnLst>
                               <p:par>
-                                <p:cTn id="21" presetClass="entr" nodeType="clickEffect" presetSubtype="0" presetID="1" grpId="2" fill="hold">
+                                <p:cTn id="21" presetClass="entr" nodeType="clickEffect" presetSubtype="0" presetID="1" grpId="3" fill="hold">
                                   <p:stCondLst>
                                     <p:cond delay="0"/>
                                   </p:stCondLst>
@@ -25766,7 +25887,7 @@
                                         <p:tgtEl>
                                           <p:spTgt spid="71">
                                             <p:txEl>
-                                              <p:pRg st="2" end="2"/>
+                                              <p:pRg st="1" end="1"/>
                                             </p:txEl>
                                           </p:spTgt>
                                         </p:tgtEl>
@@ -25800,7 +25921,7 @@
                             </p:stCondLst>
                             <p:childTnLst>
                               <p:par>
-                                <p:cTn id="25" presetClass="entr" nodeType="clickEffect" presetSubtype="0" presetID="1" grpId="2" fill="hold">
+                                <p:cTn id="25" presetClass="entr" nodeType="clickEffect" presetSubtype="0" presetID="1" grpId="4" fill="hold">
                                   <p:stCondLst>
                                     <p:cond delay="0"/>
                                   </p:stCondLst>
@@ -25812,11 +25933,7 @@
                                       <p:cBhvr>
                                         <p:cTn id="26" fill="hold"/>
                                         <p:tgtEl>
-                                          <p:spTgt spid="71">
-                                            <p:txEl>
-                                              <p:pRg st="3" end="3"/>
-                                            </p:txEl>
-                                          </p:spTgt>
+                                          <p:spTgt spid="73"/>
                                         </p:tgtEl>
                                         <p:attrNameLst>
                                           <p:attrName>style.visibility</p:attrName>
@@ -25848,7 +25965,7 @@
                             </p:stCondLst>
                             <p:childTnLst>
                               <p:par>
-                                <p:cTn id="29" presetClass="entr" nodeType="clickEffect" presetSubtype="0" presetID="1" grpId="2" fill="hold">
+                                <p:cTn id="29" presetClass="entr" nodeType="clickEffect" presetSubtype="0" presetID="1" grpId="3" fill="hold">
                                   <p:stCondLst>
                                     <p:cond delay="0"/>
                                   </p:stCondLst>
@@ -25859,6 +25976,146 @@
                                     <p:set>
                                       <p:cBhvr>
                                         <p:cTn id="30" fill="hold"/>
+                                        <p:tgtEl>
+                                          <p:spTgt spid="71">
+                                            <p:txEl>
+                                              <p:pRg st="2" end="2"/>
+                                            </p:txEl>
+                                          </p:spTgt>
+                                        </p:tgtEl>
+                                        <p:attrNameLst>
+                                          <p:attrName>style.visibility</p:attrName>
+                                        </p:attrNameLst>
+                                      </p:cBhvr>
+                                      <p:to>
+                                        <p:strVal val="visible"/>
+                                      </p:to>
+                                    </p:set>
+                                  </p:childTnLst>
+                                </p:cTn>
+                              </p:par>
+                            </p:childTnLst>
+                          </p:cTn>
+                        </p:par>
+                      </p:childTnLst>
+                    </p:cTn>
+                  </p:par>
+                  <p:par>
+                    <p:cTn id="31" fill="hold">
+                      <p:stCondLst>
+                        <p:cond delay="indefinite"/>
+                      </p:stCondLst>
+                      <p:childTnLst>
+                        <p:par>
+                          <p:cTn id="32" fill="hold">
+                            <p:stCondLst>
+                              <p:cond delay="0"/>
+                            </p:stCondLst>
+                            <p:childTnLst>
+                              <p:par>
+                                <p:cTn id="33" presetClass="entr" nodeType="clickEffect" presetSubtype="0" presetID="1" grpId="5" fill="hold">
+                                  <p:stCondLst>
+                                    <p:cond delay="0"/>
+                                  </p:stCondLst>
+                                  <p:iterate type="el" backwards="0">
+                                    <p:tmAbs val="0"/>
+                                  </p:iterate>
+                                  <p:childTnLst>
+                                    <p:set>
+                                      <p:cBhvr>
+                                        <p:cTn id="34" fill="hold"/>
+                                        <p:tgtEl>
+                                          <p:spTgt spid="74"/>
+                                        </p:tgtEl>
+                                        <p:attrNameLst>
+                                          <p:attrName>style.visibility</p:attrName>
+                                        </p:attrNameLst>
+                                      </p:cBhvr>
+                                      <p:to>
+                                        <p:strVal val="visible"/>
+                                      </p:to>
+                                    </p:set>
+                                  </p:childTnLst>
+                                </p:cTn>
+                              </p:par>
+                            </p:childTnLst>
+                          </p:cTn>
+                        </p:par>
+                      </p:childTnLst>
+                    </p:cTn>
+                  </p:par>
+                  <p:par>
+                    <p:cTn id="35" fill="hold">
+                      <p:stCondLst>
+                        <p:cond delay="indefinite"/>
+                      </p:stCondLst>
+                      <p:childTnLst>
+                        <p:par>
+                          <p:cTn id="36" fill="hold">
+                            <p:stCondLst>
+                              <p:cond delay="0"/>
+                            </p:stCondLst>
+                            <p:childTnLst>
+                              <p:par>
+                                <p:cTn id="37" presetClass="entr" nodeType="clickEffect" presetSubtype="0" presetID="1" grpId="3" fill="hold">
+                                  <p:stCondLst>
+                                    <p:cond delay="0"/>
+                                  </p:stCondLst>
+                                  <p:iterate type="el" backwards="0">
+                                    <p:tmAbs val="0"/>
+                                  </p:iterate>
+                                  <p:childTnLst>
+                                    <p:set>
+                                      <p:cBhvr>
+                                        <p:cTn id="38" fill="hold"/>
+                                        <p:tgtEl>
+                                          <p:spTgt spid="71">
+                                            <p:txEl>
+                                              <p:pRg st="3" end="3"/>
+                                            </p:txEl>
+                                          </p:spTgt>
+                                        </p:tgtEl>
+                                        <p:attrNameLst>
+                                          <p:attrName>style.visibility</p:attrName>
+                                        </p:attrNameLst>
+                                      </p:cBhvr>
+                                      <p:to>
+                                        <p:strVal val="visible"/>
+                                      </p:to>
+                                    </p:set>
+                                  </p:childTnLst>
+                                </p:cTn>
+                              </p:par>
+                            </p:childTnLst>
+                          </p:cTn>
+                        </p:par>
+                      </p:childTnLst>
+                    </p:cTn>
+                  </p:par>
+                  <p:par>
+                    <p:cTn id="39" fill="hold">
+                      <p:stCondLst>
+                        <p:cond delay="indefinite"/>
+                      </p:stCondLst>
+                      <p:childTnLst>
+                        <p:par>
+                          <p:cTn id="40" fill="hold">
+                            <p:stCondLst>
+                              <p:cond delay="0"/>
+                            </p:stCondLst>
+                            <p:childTnLst>
+                              <p:par>
+                                <p:cTn id="41" presetClass="entr" nodeType="clickEffect" presetSubtype="0" presetID="1" grpId="3" fill="hold">
+                                  <p:stCondLst>
+                                    <p:cond delay="0"/>
+                                  </p:stCondLst>
+                                  <p:iterate type="el" backwards="0">
+                                    <p:tmAbs val="0"/>
+                                  </p:iterate>
+                                  <p:childTnLst>
+                                    <p:set>
+                                      <p:cBhvr>
+                                        <p:cTn id="42" fill="hold"/>
                                         <p:tgtEl>
                                           <p:spTgt spid="71">
                                             <p:txEl>
@@ -25905,7 +26162,10 @@
       </p:par>
     </p:tnLst>
     <p:bldLst>
-      <p:bldP build="p" bldLvl="5" animBg="1" rev="0" advAuto="0" spid="71" grpId="2"/>
+      <p:bldP build="whole" bldLvl="1" animBg="1" rev="0" advAuto="0" spid="72" grpId="2"/>
+      <p:bldP build="whole" bldLvl="1" animBg="1" rev="0" advAuto="0" spid="73" grpId="4"/>
+      <p:bldP build="whole" bldLvl="1" animBg="1" rev="0" advAuto="0" spid="74" grpId="5"/>
+      <p:bldP build="p" bldLvl="5" animBg="1" rev="0" advAuto="0" spid="71" grpId="3"/>
       <p:bldP build="p" bldLvl="5" animBg="1" rev="0" advAuto="0" spid="70" grpId="1"/>
     </p:bldLst>
   </p:timing>
@@ -25931,7 +26191,7 @@
       </p:grpSpPr>
       <p:sp>
         <p:nvSpPr>
-          <p:cNvPr id="73" name="DP Approach: Knapsack"/>
+          <p:cNvPr id="76" name="DP Approach: Knapsack"/>
           <p:cNvSpPr txBox="1"/>
           <p:nvPr>
             <p:ph type="title"/>
@@ -25955,7 +26215,7 @@
       </p:sp>
       <p:sp>
         <p:nvSpPr>
-          <p:cNvPr id="74" name="Possible cases:…"/>
+          <p:cNvPr id="77" name="Possible cases:…"/>
           <p:cNvSpPr txBox="1"/>
           <p:nvPr>
             <p:ph type="body" sz="half" idx="1"/>
@@ -26075,7 +26335,25 @@
                 <a:cs typeface="Courier New"/>
                 <a:sym typeface="Courier New"/>
               </a:rPr>
-              <a:t>j≥w </a:t>
+              <a:t>j≥w</a:t>
+            </a:r>
+            <a:r>
+              <a:rPr baseline="-5999">
+                <a:latin typeface="Courier New"/>
+                <a:ea typeface="Courier New"/>
+                <a:cs typeface="Courier New"/>
+                <a:sym typeface="Courier New"/>
+              </a:rPr>
+              <a:t>i</a:t>
+            </a:r>
+            <a:r>
+              <a:rPr>
+                <a:latin typeface="Courier New"/>
+                <a:ea typeface="Courier New"/>
+                <a:cs typeface="Courier New"/>
+                <a:sym typeface="Courier New"/>
+              </a:rPr>
+              <a:t> </a:t>
             </a:r>
             <a:r>
               <a:rPr>
@@ -26187,7 +26465,7 @@
       </p:sp>
       <p:sp>
         <p:nvSpPr>
-          <p:cNvPr id="75" name="Slide Number"/>
+          <p:cNvPr id="78" name="Slide Number"/>
           <p:cNvSpPr txBox="1"/>
           <p:nvPr>
             <p:ph type="sldNum" sz="quarter" idx="2"/>
@@ -26214,7 +26492,7 @@
       </p:sp>
       <p:sp>
         <p:nvSpPr>
-          <p:cNvPr id="76" name="DAA/Dynamic Programming"/>
+          <p:cNvPr id="79" name="DAA/Dynamic Programming"/>
           <p:cNvSpPr txBox="1"/>
           <p:nvPr/>
         </p:nvSpPr>
@@ -26254,7 +26532,7 @@
       </p:sp>
       <p:sp>
         <p:nvSpPr>
-          <p:cNvPr id="77" name="RPR/"/>
+          <p:cNvPr id="80" name="RPR/"/>
           <p:cNvSpPr txBox="1"/>
           <p:nvPr/>
         </p:nvSpPr>
@@ -26294,7 +26572,7 @@
       </p:sp>
       <p:sp>
         <p:nvSpPr>
-          <p:cNvPr id="78" name="Equation"/>
+          <p:cNvPr id="81" name="Equation"/>
           <p:cNvSpPr txBox="1"/>
           <p:nvPr/>
         </p:nvSpPr>
@@ -26919,7 +27197,7 @@
                           </a:solidFill>
                           <a:latin typeface="Cambria Math" panose="02040503050406030204" pitchFamily="18" charset="0"/>
                         </a:rPr>
-                        <m:t>=</m:t>
+                        <m:t>-</m:t>
                       </m:r>
                       <m:sSub>
                         <m:e>
@@ -27043,7 +27321,7 @@
       </p:sp>
       <p:sp>
         <p:nvSpPr>
-          <p:cNvPr id="79" name="The initial conditions can be defined as…"/>
+          <p:cNvPr id="82" name="The initial conditions can be defined as…"/>
           <p:cNvSpPr txBox="1"/>
           <p:nvPr/>
         </p:nvSpPr>
@@ -27199,7 +27477,7 @@
                                       <p:cBhvr>
                                         <p:cTn id="6" fill="hold"/>
                                         <p:tgtEl>
-                                          <p:spTgt spid="74">
+                                          <p:spTgt spid="77">
                                             <p:bg/>
                                           </p:spTgt>
                                         </p:tgtEl>
@@ -27227,7 +27505,7 @@
                                       <p:cBhvr>
                                         <p:cTn id="8" fill="hold"/>
                                         <p:tgtEl>
-                                          <p:spTgt spid="74">
+                                          <p:spTgt spid="77">
                                             <p:txEl>
                                               <p:pRg st="0" end="0"/>
                                             </p:txEl>
@@ -27275,7 +27553,7 @@
                                       <p:cBhvr>
                                         <p:cTn id="12" fill="hold"/>
                                         <p:tgtEl>
-                                          <p:spTgt spid="74">
+                                          <p:spTgt spid="77">
                                             <p:txEl>
                                               <p:pRg st="1" end="1"/>
                                             </p:txEl>
@@ -27323,7 +27601,7 @@
                                       <p:cBhvr>
                                         <p:cTn id="16" fill="hold"/>
                                         <p:tgtEl>
-                                          <p:spTgt spid="74">
+                                          <p:spTgt spid="77">
                                             <p:txEl>
                                               <p:pRg st="2" end="2"/>
                                             </p:txEl>
@@ -27371,9 +27649,225 @@
                                       <p:cBhvr>
                                         <p:cTn id="20" fill="hold"/>
                                         <p:tgtEl>
-                                          <p:spTgt spid="74">
+                                          <p:spTgt spid="77">
                                             <p:txEl>
                                               <p:pRg st="3" end="3"/>
+                                            </p:txEl>
+                                          </p:spTgt>
+                                        </p:tgtEl>
+                                        <p:attrNameLst>
+                                          <p:attrName>style.visibility</p:attrName>
+                                        </p:attrNameLst>
+                                      </p:cBhvr>
+                                      <p:to>
+                                        <p:strVal val="visible"/>
+                                      </p:to>
+                                    </p:set>
+                                  </p:childTnLst>
+                                </p:cTn>
+                              </p:par>
+                            </p:childTnLst>
+                          </p:cTn>
+                        </p:par>
+                      </p:childTnLst>
+                    </p:cTn>
+                  </p:par>
+                  <p:par>
+                    <p:cTn id="21" fill="hold">
+                      <p:stCondLst>
+                        <p:cond delay="indefinite"/>
+                      </p:stCondLst>
+                      <p:childTnLst>
+                        <p:par>
+                          <p:cTn id="22" fill="hold">
+                            <p:stCondLst>
+                              <p:cond delay="0"/>
+                            </p:stCondLst>
+                            <p:childTnLst>
+                              <p:par>
+                                <p:cTn id="23" presetClass="entr" nodeType="clickEffect" presetSubtype="0" presetID="1" grpId="2" fill="hold">
+                                  <p:stCondLst>
+                                    <p:cond delay="0"/>
+                                  </p:stCondLst>
+                                  <p:iterate type="el" backwards="0">
+                                    <p:tmAbs val="0"/>
+                                  </p:iterate>
+                                  <p:childTnLst>
+                                    <p:set>
+                                      <p:cBhvr>
+                                        <p:cTn id="24" fill="hold"/>
+                                        <p:tgtEl>
+                                          <p:spTgt spid="81"/>
+                                        </p:tgtEl>
+                                        <p:attrNameLst>
+                                          <p:attrName>style.visibility</p:attrName>
+                                        </p:attrNameLst>
+                                      </p:cBhvr>
+                                      <p:to>
+                                        <p:strVal val="visible"/>
+                                      </p:to>
+                                    </p:set>
+                                  </p:childTnLst>
+                                </p:cTn>
+                              </p:par>
+                            </p:childTnLst>
+                          </p:cTn>
+                        </p:par>
+                      </p:childTnLst>
+                    </p:cTn>
+                  </p:par>
+                  <p:par>
+                    <p:cTn id="25" fill="hold">
+                      <p:stCondLst>
+                        <p:cond delay="indefinite"/>
+                      </p:stCondLst>
+                      <p:childTnLst>
+                        <p:par>
+                          <p:cTn id="26" fill="hold">
+                            <p:stCondLst>
+                              <p:cond delay="0"/>
+                            </p:stCondLst>
+                            <p:childTnLst>
+                              <p:par>
+                                <p:cTn id="27" presetClass="entr" nodeType="clickEffect" presetSubtype="0" presetID="1" grpId="3" fill="hold">
+                                  <p:stCondLst>
+                                    <p:cond delay="0"/>
+                                  </p:stCondLst>
+                                  <p:iterate type="el" backwards="0">
+                                    <p:tmAbs val="0"/>
+                                  </p:iterate>
+                                  <p:childTnLst>
+                                    <p:set>
+                                      <p:cBhvr>
+                                        <p:cTn id="28" fill="hold"/>
+                                        <p:tgtEl>
+                                          <p:spTgt spid="82">
+                                            <p:bg/>
+                                          </p:spTgt>
+                                        </p:tgtEl>
+                                        <p:attrNameLst>
+                                          <p:attrName>style.visibility</p:attrName>
+                                        </p:attrNameLst>
+                                      </p:cBhvr>
+                                      <p:to>
+                                        <p:strVal val="visible"/>
+                                      </p:to>
+                                    </p:set>
+                                  </p:childTnLst>
+                                </p:cTn>
+                              </p:par>
+                              <p:par>
+                                <p:cTn id="29" presetClass="entr" nodeType="withEffect" presetSubtype="0" presetID="1" grpId="3" fill="hold">
+                                  <p:stCondLst>
+                                    <p:cond delay="0"/>
+                                  </p:stCondLst>
+                                  <p:iterate type="el" backwards="0">
+                                    <p:tmAbs val="0"/>
+                                  </p:iterate>
+                                  <p:childTnLst>
+                                    <p:set>
+                                      <p:cBhvr>
+                                        <p:cTn id="30" fill="hold"/>
+                                        <p:tgtEl>
+                                          <p:spTgt spid="82">
+                                            <p:txEl>
+                                              <p:pRg st="0" end="0"/>
+                                            </p:txEl>
+                                          </p:spTgt>
+                                        </p:tgtEl>
+                                        <p:attrNameLst>
+                                          <p:attrName>style.visibility</p:attrName>
+                                        </p:attrNameLst>
+                                      </p:cBhvr>
+                                      <p:to>
+                                        <p:strVal val="visible"/>
+                                      </p:to>
+                                    </p:set>
+                                  </p:childTnLst>
+                                </p:cTn>
+                              </p:par>
+                            </p:childTnLst>
+                          </p:cTn>
+                        </p:par>
+                      </p:childTnLst>
+                    </p:cTn>
+                  </p:par>
+                  <p:par>
+                    <p:cTn id="31" fill="hold">
+                      <p:stCondLst>
+                        <p:cond delay="indefinite"/>
+                      </p:stCondLst>
+                      <p:childTnLst>
+                        <p:par>
+                          <p:cTn id="32" fill="hold">
+                            <p:stCondLst>
+                              <p:cond delay="0"/>
+                            </p:stCondLst>
+                            <p:childTnLst>
+                              <p:par>
+                                <p:cTn id="33" presetClass="entr" nodeType="clickEffect" presetSubtype="0" presetID="1" grpId="3" fill="hold">
+                                  <p:stCondLst>
+                                    <p:cond delay="0"/>
+                                  </p:stCondLst>
+                                  <p:iterate type="el" backwards="0">
+                                    <p:tmAbs val="0"/>
+                                  </p:iterate>
+                                  <p:childTnLst>
+                                    <p:set>
+                                      <p:cBhvr>
+                                        <p:cTn id="34" fill="hold"/>
+                                        <p:tgtEl>
+                                          <p:spTgt spid="82">
+                                            <p:txEl>
+                                              <p:pRg st="1" end="1"/>
+                                            </p:txEl>
+                                          </p:spTgt>
+                                        </p:tgtEl>
+                                        <p:attrNameLst>
+                                          <p:attrName>style.visibility</p:attrName>
+                                        </p:attrNameLst>
+                                      </p:cBhvr>
+                                      <p:to>
+                                        <p:strVal val="visible"/>
+                                      </p:to>
+                                    </p:set>
+                                  </p:childTnLst>
+                                </p:cTn>
+                              </p:par>
+                            </p:childTnLst>
+                          </p:cTn>
+                        </p:par>
+                      </p:childTnLst>
+                    </p:cTn>
+                  </p:par>
+                  <p:par>
+                    <p:cTn id="35" fill="hold">
+                      <p:stCondLst>
+                        <p:cond delay="indefinite"/>
+                      </p:stCondLst>
+                      <p:childTnLst>
+                        <p:par>
+                          <p:cTn id="36" fill="hold">
+                            <p:stCondLst>
+                              <p:cond delay="0"/>
+                            </p:stCondLst>
+                            <p:childTnLst>
+                              <p:par>
+                                <p:cTn id="37" presetClass="entr" nodeType="clickEffect" presetSubtype="0" presetID="1" grpId="3" fill="hold">
+                                  <p:stCondLst>
+                                    <p:cond delay="0"/>
+                                  </p:stCondLst>
+                                  <p:iterate type="el" backwards="0">
+                                    <p:tmAbs val="0"/>
+                                  </p:iterate>
+                                  <p:childTnLst>
+                                    <p:set>
+                                      <p:cBhvr>
+                                        <p:cTn id="38" fill="hold"/>
+                                        <p:tgtEl>
+                                          <p:spTgt spid="82">
+                                            <p:txEl>
+                                              <p:pRg st="2" end="2"/>
                                             </p:txEl>
                                           </p:spTgt>
                                         </p:tgtEl>
@@ -27416,7 +27910,9 @@
       </p:par>
     </p:tnLst>
     <p:bldLst>
-      <p:bldP build="p" bldLvl="5" animBg="1" rev="0" advAuto="0" spid="74" grpId="1"/>
+      <p:bldP build="p" bldLvl="5" animBg="1" rev="0" advAuto="0" spid="77" grpId="1"/>
+      <p:bldP build="whole" bldLvl="1" animBg="1" rev="0" advAuto="0" spid="81" grpId="2"/>
+      <p:bldP build="p" bldLvl="5" animBg="1" rev="0" advAuto="0" spid="82" grpId="3"/>
     </p:bldLst>
   </p:timing>
 </p:sld>
@@ -27441,7 +27937,7 @@
       </p:grpSpPr>
       <p:sp>
         <p:nvSpPr>
-          <p:cNvPr id="81" name="Example: Knapsack"/>
+          <p:cNvPr id="84" name="Example: Knapsack"/>
           <p:cNvSpPr txBox="1"/>
           <p:nvPr>
             <p:ph type="title"/>
@@ -27465,7 +27961,7 @@
       </p:sp>
       <p:sp>
         <p:nvSpPr>
-          <p:cNvPr id="82" name="Example: consider knapsack of size 5 (i.e. max weight it can hold is 5),…"/>
+          <p:cNvPr id="85" name="Example: consider knapsack of size 5 (i.e. max weight it can hold is 5),…"/>
           <p:cNvSpPr txBox="1"/>
           <p:nvPr>
             <p:ph type="body" idx="1"/>
@@ -27681,7 +28177,7 @@
       </p:sp>
       <p:sp>
         <p:nvSpPr>
-          <p:cNvPr id="83" name="Slide Number"/>
+          <p:cNvPr id="86" name="Slide Number"/>
           <p:cNvSpPr txBox="1"/>
           <p:nvPr>
             <p:ph type="sldNum" sz="quarter" idx="2"/>
@@ -27708,7 +28204,7 @@
       </p:sp>
       <p:sp>
         <p:nvSpPr>
-          <p:cNvPr id="84" name="DAA/Dynamic Programming"/>
+          <p:cNvPr id="87" name="DAA/Dynamic Programming"/>
           <p:cNvSpPr txBox="1"/>
           <p:nvPr/>
         </p:nvSpPr>
@@ -27748,7 +28244,7 @@
       </p:sp>
       <p:sp>
         <p:nvSpPr>
-          <p:cNvPr id="85" name="RPR/"/>
+          <p:cNvPr id="88" name="RPR/"/>
           <p:cNvSpPr txBox="1"/>
           <p:nvPr/>
         </p:nvSpPr>
@@ -27788,7 +28284,7 @@
       </p:sp>
       <p:sp>
         <p:nvSpPr>
-          <p:cNvPr id="86" name="Equation"/>
+          <p:cNvPr id="89" name="Equation"/>
           <p:cNvSpPr txBox="1"/>
           <p:nvPr/>
         </p:nvSpPr>
@@ -28574,7 +29070,7 @@
                                       <p:cBhvr>
                                         <p:cTn id="6" fill="hold"/>
                                         <p:tgtEl>
-                                          <p:spTgt spid="82">
+                                          <p:spTgt spid="85">
                                             <p:bg/>
                                           </p:spTgt>
                                         </p:tgtEl>
@@ -28602,7 +29098,7 @@
                                       <p:cBhvr>
                                         <p:cTn id="8" fill="hold"/>
                                         <p:tgtEl>
-                                          <p:spTgt spid="82">
+                                          <p:spTgt spid="85">
                                             <p:txEl>
                                               <p:pRg st="0" end="0"/>
                                             </p:txEl>
@@ -28650,7 +29146,7 @@
                                       <p:cBhvr>
                                         <p:cTn id="12" fill="hold"/>
                                         <p:tgtEl>
-                                          <p:spTgt spid="82">
+                                          <p:spTgt spid="85">
                                             <p:txEl>
                                               <p:pRg st="1" end="1"/>
                                             </p:txEl>
@@ -28698,7 +29194,7 @@
                                       <p:cBhvr>
                                         <p:cTn id="16" fill="hold"/>
                                         <p:tgtEl>
-                                          <p:spTgt spid="82">
+                                          <p:spTgt spid="85">
                                             <p:txEl>
                                               <p:pRg st="2" end="2"/>
                                             </p:txEl>
@@ -28746,7 +29242,7 @@
                                       <p:cBhvr>
                                         <p:cTn id="20" fill="hold"/>
                                         <p:tgtEl>
-                                          <p:spTgt spid="82">
+                                          <p:spTgt spid="85">
                                             <p:txEl>
                                               <p:pRg st="3" end="3"/>
                                             </p:txEl>
@@ -28794,7 +29290,7 @@
                                       <p:cBhvr>
                                         <p:cTn id="24" fill="hold"/>
                                         <p:tgtEl>
-                                          <p:spTgt spid="82">
+                                          <p:spTgt spid="85">
                                             <p:txEl>
                                               <p:pRg st="4" end="4"/>
                                             </p:txEl>
@@ -28839,7 +29335,7 @@
       </p:par>
     </p:tnLst>
     <p:bldLst>
-      <p:bldP build="p" bldLvl="5" animBg="1" rev="0" advAuto="0" spid="82" grpId="1"/>
+      <p:bldP build="p" bldLvl="5" animBg="1" rev="0" advAuto="0" spid="85" grpId="1"/>
     </p:bldLst>
   </p:timing>
 </p:sld>
@@ -28864,7 +29360,7 @@
       </p:grpSpPr>
       <p:sp>
         <p:nvSpPr>
-          <p:cNvPr id="88" name="Example Knapsack"/>
+          <p:cNvPr id="91" name="Example Knapsack"/>
           <p:cNvSpPr txBox="1"/>
           <p:nvPr>
             <p:ph type="title"/>
@@ -28888,7 +29384,7 @@
       </p:sp>
       <p:sp>
         <p:nvSpPr>
-          <p:cNvPr id="89" name="Slide Number"/>
+          <p:cNvPr id="92" name="Slide Number"/>
           <p:cNvSpPr txBox="1"/>
           <p:nvPr>
             <p:ph type="sldNum" sz="quarter" idx="2"/>
@@ -28915,7 +29411,7 @@
       </p:sp>
       <p:sp>
         <p:nvSpPr>
-          <p:cNvPr id="90" name="DAA/Dynamic Programming"/>
+          <p:cNvPr id="93" name="DAA/Dynamic Programming"/>
           <p:cNvSpPr txBox="1"/>
           <p:nvPr/>
         </p:nvSpPr>
@@ -28955,7 +29451,7 @@
       </p:sp>
       <p:sp>
         <p:nvSpPr>
-          <p:cNvPr id="91" name="RPR/"/>
+          <p:cNvPr id="94" name="RPR/"/>
           <p:cNvSpPr txBox="1"/>
           <p:nvPr/>
         </p:nvSpPr>
@@ -28995,7 +29491,7 @@
       </p:sp>
       <p:graphicFrame>
         <p:nvGraphicFramePr>
-          <p:cNvPr id="92" name="Table"/>
+          <p:cNvPr id="95" name="Table"/>
           <p:cNvGraphicFramePr/>
           <p:nvPr/>
         </p:nvGraphicFramePr>
@@ -30846,7 +31342,7 @@
       </p:graphicFrame>
       <p:sp>
         <p:nvSpPr>
-          <p:cNvPr id="93" name="V[0,j]=0  for 0≤j≤5…"/>
+          <p:cNvPr id="96" name="V[0,j]=0  for 0≤j≤5…"/>
           <p:cNvSpPr txBox="1"/>
           <p:nvPr>
             <p:ph type="body" sz="half" idx="1"/>
@@ -31026,7 +31522,7 @@
       </p:sp>
       <p:grpSp>
         <p:nvGrpSpPr>
-          <p:cNvPr id="100" name="Group"/>
+          <p:cNvPr id="103" name="Group"/>
           <p:cNvGrpSpPr/>
           <p:nvPr/>
         </p:nvGrpSpPr>
@@ -31040,158 +31536,14 @@
         </p:grpSpPr>
         <p:sp>
           <p:nvSpPr>
-            <p:cNvPr id="94" name="0"/>
+            <p:cNvPr id="97" name="0"/>
             <p:cNvSpPr txBox="1"/>
             <p:nvPr/>
           </p:nvSpPr>
           <p:spPr>
             <a:xfrm>
               <a:off x="0" y="0"/>
-              <a:ext cx="353093" cy="482600"/>
-            </a:xfrm>
-            <a:prstGeom prst="rect">
-              <a:avLst/>
-            </a:prstGeom>
-            <a:noFill/>
-            <a:ln w="12700" cap="flat">
-              <a:noFill/>
-              <a:miter lim="400000"/>
-            </a:ln>
-            <a:effectLst/>
-            <a:extLst>
-              <a:ext uri="{C572A759-6A51-4108-AA02-DFA0A04FC94B}">
-                <ma14:wrappingTextBoxFlag xmlns:ma14="http://schemas.microsoft.com/office/mac/drawingml/2011/main" val="1"/>
-              </a:ext>
-            </a:extLst>
-          </p:spPr>
-          <p:txBody>
-            <a:bodyPr wrap="none" lIns="50800" tIns="50800" rIns="50800" bIns="50800" numCol="1" anchor="ctr">
-              <a:spAutoFit/>
-            </a:bodyPr>
-            <a:lstStyle>
-              <a:lvl1pPr>
-                <a:defRPr b="1" sz="2600">
-                  <a:latin typeface="Courier New"/>
-                  <a:ea typeface="Courier New"/>
-                  <a:cs typeface="Courier New"/>
-                  <a:sym typeface="Courier New"/>
-                </a:defRPr>
-              </a:lvl1pPr>
-            </a:lstStyle>
-            <a:p>
-              <a:pPr/>
-              <a:r>
-                <a:t>0</a:t>
-              </a:r>
-            </a:p>
-          </p:txBody>
-        </p:sp>
-        <p:sp>
-          <p:nvSpPr>
-            <p:cNvPr id="95" name="0"/>
-            <p:cNvSpPr txBox="1"/>
-            <p:nvPr/>
-          </p:nvSpPr>
-          <p:spPr>
-            <a:xfrm>
-              <a:off x="3319875" y="0"/>
-              <a:ext cx="353093" cy="482600"/>
-            </a:xfrm>
-            <a:prstGeom prst="rect">
-              <a:avLst/>
-            </a:prstGeom>
-            <a:noFill/>
-            <a:ln w="12700" cap="flat">
-              <a:noFill/>
-              <a:miter lim="400000"/>
-            </a:ln>
-            <a:effectLst/>
-            <a:extLst>
-              <a:ext uri="{C572A759-6A51-4108-AA02-DFA0A04FC94B}">
-                <ma14:wrappingTextBoxFlag xmlns:ma14="http://schemas.microsoft.com/office/mac/drawingml/2011/main" val="1"/>
-              </a:ext>
-            </a:extLst>
-          </p:spPr>
-          <p:txBody>
-            <a:bodyPr wrap="none" lIns="50800" tIns="50800" rIns="50800" bIns="50800" numCol="1" anchor="ctr">
-              <a:spAutoFit/>
-            </a:bodyPr>
-            <a:lstStyle>
-              <a:lvl1pPr>
-                <a:defRPr b="1" sz="2600">
-                  <a:latin typeface="Courier New"/>
-                  <a:ea typeface="Courier New"/>
-                  <a:cs typeface="Courier New"/>
-                  <a:sym typeface="Courier New"/>
-                </a:defRPr>
-              </a:lvl1pPr>
-            </a:lstStyle>
-            <a:p>
-              <a:pPr/>
-              <a:r>
-                <a:t>0</a:t>
-              </a:r>
-            </a:p>
-          </p:txBody>
-        </p:sp>
-        <p:sp>
-          <p:nvSpPr>
-            <p:cNvPr id="96" name="0"/>
-            <p:cNvSpPr txBox="1"/>
-            <p:nvPr/>
-          </p:nvSpPr>
-          <p:spPr>
-            <a:xfrm>
-              <a:off x="2489906" y="0"/>
-              <a:ext cx="353093" cy="482600"/>
-            </a:xfrm>
-            <a:prstGeom prst="rect">
-              <a:avLst/>
-            </a:prstGeom>
-            <a:noFill/>
-            <a:ln w="12700" cap="flat">
-              <a:noFill/>
-              <a:miter lim="400000"/>
-            </a:ln>
-            <a:effectLst/>
-            <a:extLst>
-              <a:ext uri="{C572A759-6A51-4108-AA02-DFA0A04FC94B}">
-                <ma14:wrappingTextBoxFlag xmlns:ma14="http://schemas.microsoft.com/office/mac/drawingml/2011/main" val="1"/>
-              </a:ext>
-            </a:extLst>
-          </p:spPr>
-          <p:txBody>
-            <a:bodyPr wrap="none" lIns="50800" tIns="50800" rIns="50800" bIns="50800" numCol="1" anchor="ctr">
-              <a:spAutoFit/>
-            </a:bodyPr>
-            <a:lstStyle>
-              <a:lvl1pPr>
-                <a:defRPr b="1" sz="2600">
-                  <a:latin typeface="Courier New"/>
-                  <a:ea typeface="Courier New"/>
-                  <a:cs typeface="Courier New"/>
-                  <a:sym typeface="Courier New"/>
-                </a:defRPr>
-              </a:lvl1pPr>
-            </a:lstStyle>
-            <a:p>
-              <a:pPr/>
-              <a:r>
-                <a:t>0</a:t>
-              </a:r>
-            </a:p>
-          </p:txBody>
-        </p:sp>
-        <p:sp>
-          <p:nvSpPr>
-            <p:cNvPr id="97" name="0"/>
-            <p:cNvSpPr txBox="1"/>
-            <p:nvPr/>
-          </p:nvSpPr>
-          <p:spPr>
-            <a:xfrm>
-              <a:off x="1659937" y="0"/>
-              <a:ext cx="353094" cy="482600"/>
+              <a:ext cx="353093" cy="482601"/>
             </a:xfrm>
             <a:prstGeom prst="rect">
               <a:avLst/>
@@ -31238,8 +31590,8 @@
           </p:nvSpPr>
           <p:spPr>
             <a:xfrm>
-              <a:off x="829968" y="0"/>
-              <a:ext cx="353093" cy="482600"/>
+              <a:off x="3319875" y="0"/>
+              <a:ext cx="353093" cy="482601"/>
             </a:xfrm>
             <a:prstGeom prst="rect">
               <a:avLst/>
@@ -31286,8 +31638,152 @@
           </p:nvSpPr>
           <p:spPr>
             <a:xfrm>
+              <a:off x="2489906" y="0"/>
+              <a:ext cx="353093" cy="482601"/>
+            </a:xfrm>
+            <a:prstGeom prst="rect">
+              <a:avLst/>
+            </a:prstGeom>
+            <a:noFill/>
+            <a:ln w="12700" cap="flat">
+              <a:noFill/>
+              <a:miter lim="400000"/>
+            </a:ln>
+            <a:effectLst/>
+            <a:extLst>
+              <a:ext uri="{C572A759-6A51-4108-AA02-DFA0A04FC94B}">
+                <ma14:wrappingTextBoxFlag xmlns:ma14="http://schemas.microsoft.com/office/mac/drawingml/2011/main" val="1"/>
+              </a:ext>
+            </a:extLst>
+          </p:spPr>
+          <p:txBody>
+            <a:bodyPr wrap="none" lIns="50800" tIns="50800" rIns="50800" bIns="50800" numCol="1" anchor="ctr">
+              <a:spAutoFit/>
+            </a:bodyPr>
+            <a:lstStyle>
+              <a:lvl1pPr>
+                <a:defRPr b="1" sz="2600">
+                  <a:latin typeface="Courier New"/>
+                  <a:ea typeface="Courier New"/>
+                  <a:cs typeface="Courier New"/>
+                  <a:sym typeface="Courier New"/>
+                </a:defRPr>
+              </a:lvl1pPr>
+            </a:lstStyle>
+            <a:p>
+              <a:pPr/>
+              <a:r>
+                <a:t>0</a:t>
+              </a:r>
+            </a:p>
+          </p:txBody>
+        </p:sp>
+        <p:sp>
+          <p:nvSpPr>
+            <p:cNvPr id="100" name="0"/>
+            <p:cNvSpPr txBox="1"/>
+            <p:nvPr/>
+          </p:nvSpPr>
+          <p:spPr>
+            <a:xfrm>
+              <a:off x="1659937" y="0"/>
+              <a:ext cx="353094" cy="482601"/>
+            </a:xfrm>
+            <a:prstGeom prst="rect">
+              <a:avLst/>
+            </a:prstGeom>
+            <a:noFill/>
+            <a:ln w="12700" cap="flat">
+              <a:noFill/>
+              <a:miter lim="400000"/>
+            </a:ln>
+            <a:effectLst/>
+            <a:extLst>
+              <a:ext uri="{C572A759-6A51-4108-AA02-DFA0A04FC94B}">
+                <ma14:wrappingTextBoxFlag xmlns:ma14="http://schemas.microsoft.com/office/mac/drawingml/2011/main" val="1"/>
+              </a:ext>
+            </a:extLst>
+          </p:spPr>
+          <p:txBody>
+            <a:bodyPr wrap="none" lIns="50800" tIns="50800" rIns="50800" bIns="50800" numCol="1" anchor="ctr">
+              <a:spAutoFit/>
+            </a:bodyPr>
+            <a:lstStyle>
+              <a:lvl1pPr>
+                <a:defRPr b="1" sz="2600">
+                  <a:latin typeface="Courier New"/>
+                  <a:ea typeface="Courier New"/>
+                  <a:cs typeface="Courier New"/>
+                  <a:sym typeface="Courier New"/>
+                </a:defRPr>
+              </a:lvl1pPr>
+            </a:lstStyle>
+            <a:p>
+              <a:pPr/>
+              <a:r>
+                <a:t>0</a:t>
+              </a:r>
+            </a:p>
+          </p:txBody>
+        </p:sp>
+        <p:sp>
+          <p:nvSpPr>
+            <p:cNvPr id="101" name="0"/>
+            <p:cNvSpPr txBox="1"/>
+            <p:nvPr/>
+          </p:nvSpPr>
+          <p:spPr>
+            <a:xfrm>
+              <a:off x="829968" y="0"/>
+              <a:ext cx="353093" cy="482601"/>
+            </a:xfrm>
+            <a:prstGeom prst="rect">
+              <a:avLst/>
+            </a:prstGeom>
+            <a:noFill/>
+            <a:ln w="12700" cap="flat">
+              <a:noFill/>
+              <a:miter lim="400000"/>
+            </a:ln>
+            <a:effectLst/>
+            <a:extLst>
+              <a:ext uri="{C572A759-6A51-4108-AA02-DFA0A04FC94B}">
+                <ma14:wrappingTextBoxFlag xmlns:ma14="http://schemas.microsoft.com/office/mac/drawingml/2011/main" val="1"/>
+              </a:ext>
+            </a:extLst>
+          </p:spPr>
+          <p:txBody>
+            <a:bodyPr wrap="none" lIns="50800" tIns="50800" rIns="50800" bIns="50800" numCol="1" anchor="ctr">
+              <a:spAutoFit/>
+            </a:bodyPr>
+            <a:lstStyle>
+              <a:lvl1pPr>
+                <a:defRPr b="1" sz="2600">
+                  <a:latin typeface="Courier New"/>
+                  <a:ea typeface="Courier New"/>
+                  <a:cs typeface="Courier New"/>
+                  <a:sym typeface="Courier New"/>
+                </a:defRPr>
+              </a:lvl1pPr>
+            </a:lstStyle>
+            <a:p>
+              <a:pPr/>
+              <a:r>
+                <a:t>0</a:t>
+              </a:r>
+            </a:p>
+          </p:txBody>
+        </p:sp>
+        <p:sp>
+          <p:nvSpPr>
+            <p:cNvPr id="102" name="0"/>
+            <p:cNvSpPr txBox="1"/>
+            <p:nvPr/>
+          </p:nvSpPr>
+          <p:spPr>
+            <a:xfrm>
               <a:off x="4024091" y="0"/>
-              <a:ext cx="353093" cy="482600"/>
+              <a:ext cx="353093" cy="482601"/>
             </a:xfrm>
             <a:prstGeom prst="rect">
               <a:avLst/>
@@ -31329,7 +31825,7 @@
       </p:grpSp>
       <p:grpSp>
         <p:nvGrpSpPr>
-          <p:cNvPr id="105" name="Group"/>
+          <p:cNvPr id="108" name="Group"/>
           <p:cNvGrpSpPr/>
           <p:nvPr/>
         </p:nvGrpSpPr>
@@ -31343,14 +31839,14 @@
         </p:grpSpPr>
         <p:sp>
           <p:nvSpPr>
-            <p:cNvPr id="101" name="0"/>
+            <p:cNvPr id="104" name="0"/>
             <p:cNvSpPr txBox="1"/>
             <p:nvPr/>
           </p:nvSpPr>
           <p:spPr>
             <a:xfrm>
               <a:off x="0" y="0"/>
-              <a:ext cx="353093" cy="482600"/>
+              <a:ext cx="353093" cy="482601"/>
             </a:xfrm>
             <a:prstGeom prst="rect">
               <a:avLst/>
@@ -31391,7 +31887,7 @@
         </p:sp>
         <p:sp>
           <p:nvSpPr>
-            <p:cNvPr id="102" name="0"/>
+            <p:cNvPr id="105" name="0"/>
             <p:cNvSpPr txBox="1"/>
             <p:nvPr/>
           </p:nvSpPr>
@@ -31439,7 +31935,7 @@
         </p:sp>
         <p:sp>
           <p:nvSpPr>
-            <p:cNvPr id="103" name="0"/>
+            <p:cNvPr id="106" name="0"/>
             <p:cNvSpPr txBox="1"/>
             <p:nvPr/>
           </p:nvSpPr>
@@ -31487,7 +31983,7 @@
         </p:sp>
         <p:sp>
           <p:nvSpPr>
-            <p:cNvPr id="104" name="0"/>
+            <p:cNvPr id="107" name="0"/>
             <p:cNvSpPr txBox="1"/>
             <p:nvPr/>
           </p:nvSpPr>
@@ -31536,7 +32032,7 @@
       </p:grpSp>
       <p:sp>
         <p:nvSpPr>
-          <p:cNvPr id="106" name="0"/>
+          <p:cNvPr id="109" name="0"/>
           <p:cNvSpPr txBox="1"/>
           <p:nvPr/>
         </p:nvSpPr>
@@ -31581,14 +32077,14 @@
       </p:sp>
       <p:sp>
         <p:nvSpPr>
-          <p:cNvPr id="107" name="12"/>
+          <p:cNvPr id="110" name="12"/>
           <p:cNvSpPr txBox="1"/>
           <p:nvPr/>
         </p:nvSpPr>
         <p:spPr>
           <a:xfrm>
             <a:off x="6075303" y="2064654"/>
-            <a:ext cx="551245" cy="482601"/>
+            <a:ext cx="551246" cy="482601"/>
           </a:xfrm>
           <a:prstGeom prst="rect">
             <a:avLst/>
@@ -31663,7 +32159,7 @@
                                       <p:cBhvr>
                                         <p:cTn id="6" fill="hold"/>
                                         <p:tgtEl>
-                                          <p:spTgt spid="93">
+                                          <p:spTgt spid="96">
                                             <p:bg/>
                                           </p:spTgt>
                                         </p:tgtEl>
@@ -31691,7 +32187,7 @@
                                       <p:cBhvr>
                                         <p:cTn id="8" fill="hold"/>
                                         <p:tgtEl>
-                                          <p:spTgt spid="93">
+                                          <p:spTgt spid="96">
                                             <p:txEl>
                                               <p:pRg st="0" end="0"/>
                                             </p:txEl>
@@ -31739,7 +32235,7 @@
                                       <p:cBhvr>
                                         <p:cTn id="12" fill="hold"/>
                                         <p:tgtEl>
-                                          <p:spTgt spid="100"/>
+                                          <p:spTgt spid="103"/>
                                         </p:tgtEl>
                                         <p:attrNameLst>
                                           <p:attrName>style.visibility</p:attrName>
@@ -31783,7 +32279,7 @@
                                       <p:cBhvr>
                                         <p:cTn id="16" fill="hold"/>
                                         <p:tgtEl>
-                                          <p:spTgt spid="93">
+                                          <p:spTgt spid="96">
                                             <p:txEl>
                                               <p:pRg st="1" end="1"/>
                                             </p:txEl>
@@ -31831,7 +32327,7 @@
                                       <p:cBhvr>
                                         <p:cTn id="20" fill="hold"/>
                                         <p:tgtEl>
-                                          <p:spTgt spid="105"/>
+                                          <p:spTgt spid="108"/>
                                         </p:tgtEl>
                                         <p:attrNameLst>
                                           <p:attrName>style.visibility</p:attrName>
@@ -31875,7 +32371,7 @@
                                       <p:cBhvr>
                                         <p:cTn id="24" fill="hold"/>
                                         <p:tgtEl>
-                                          <p:spTgt spid="93">
+                                          <p:spTgt spid="96">
                                             <p:txEl>
                                               <p:pRg st="2" end="2"/>
                                             </p:txEl>
@@ -31923,7 +32419,7 @@
                                       <p:cBhvr>
                                         <p:cTn id="28" fill="hold"/>
                                         <p:tgtEl>
-                                          <p:spTgt spid="93">
+                                          <p:spTgt spid="96">
                                             <p:txEl>
                                               <p:pRg st="3" end="3"/>
                                             </p:txEl>
@@ -31971,7 +32467,7 @@
                                       <p:cBhvr>
                                         <p:cTn id="32" fill="hold"/>
                                         <p:tgtEl>
-                                          <p:spTgt spid="106"/>
+                                          <p:spTgt spid="109"/>
                                         </p:tgtEl>
                                         <p:attrNameLst>
                                           <p:attrName>style.visibility</p:attrName>
@@ -32006,7 +32502,7 @@
                                       <p:cBhvr>
                                         <p:cTn id="35" fill="hold"/>
                                         <p:tgtEl>
-                                          <p:spTgt spid="93">
+                                          <p:spTgt spid="96">
                                             <p:txEl>
                                               <p:pRg st="4" end="4"/>
                                             </p:txEl>
@@ -32054,7 +32550,7 @@
                                       <p:cBhvr>
                                         <p:cTn id="39" fill="hold"/>
                                         <p:tgtEl>
-                                          <p:spTgt spid="93">
+                                          <p:spTgt spid="96">
                                             <p:txEl>
                                               <p:pRg st="5" end="5"/>
                                             </p:txEl>
@@ -32102,7 +32598,7 @@
                                       <p:cBhvr>
                                         <p:cTn id="43" fill="hold"/>
                                         <p:tgtEl>
-                                          <p:spTgt spid="107"/>
+                                          <p:spTgt spid="110"/>
                                         </p:tgtEl>
                                         <p:attrNameLst>
                                           <p:attrName>style.visibility</p:attrName>
@@ -32143,11 +32639,11 @@
       </p:par>
     </p:tnLst>
     <p:bldLst>
-      <p:bldP build="p" bldLvl="5" animBg="1" rev="0" advAuto="0" spid="93" grpId="1"/>
-      <p:bldP build="whole" bldLvl="1" animBg="1" rev="0" advAuto="0" spid="100" grpId="2"/>
-      <p:bldP build="whole" bldLvl="1" animBg="1" rev="0" advAuto="0" spid="107" grpId="5"/>
-      <p:bldP build="whole" bldLvl="1" animBg="1" rev="0" advAuto="0" spid="105" grpId="3"/>
-      <p:bldP build="whole" bldLvl="1" animBg="1" rev="0" advAuto="0" spid="106" grpId="4"/>
+      <p:bldP build="p" bldLvl="5" animBg="1" rev="0" advAuto="0" spid="96" grpId="1"/>
+      <p:bldP build="whole" bldLvl="1" animBg="1" rev="0" advAuto="0" spid="110" grpId="5"/>
+      <p:bldP build="whole" bldLvl="1" animBg="1" rev="0" advAuto="0" spid="108" grpId="3"/>
+      <p:bldP build="whole" bldLvl="1" animBg="1" rev="0" advAuto="0" spid="103" grpId="2"/>
+      <p:bldP build="whole" bldLvl="1" animBg="1" rev="0" advAuto="0" spid="109" grpId="4"/>
     </p:bldLst>
   </p:timing>
 </p:sld>
@@ -32172,7 +32668,7 @@
       </p:grpSpPr>
       <p:sp>
         <p:nvSpPr>
-          <p:cNvPr id="109" name="Slide Number"/>
+          <p:cNvPr id="112" name="Slide Number"/>
           <p:cNvSpPr txBox="1"/>
           <p:nvPr>
             <p:ph type="sldNum" sz="quarter" idx="2"/>
@@ -32199,7 +32695,7 @@
       </p:sp>
       <p:sp>
         <p:nvSpPr>
-          <p:cNvPr id="110" name="DAA/Dynamic Programming"/>
+          <p:cNvPr id="113" name="DAA/Dynamic Programming"/>
           <p:cNvSpPr txBox="1"/>
           <p:nvPr/>
         </p:nvSpPr>
@@ -32239,7 +32735,7 @@
       </p:sp>
       <p:sp>
         <p:nvSpPr>
-          <p:cNvPr id="111" name="RPR/"/>
+          <p:cNvPr id="114" name="RPR/"/>
           <p:cNvSpPr txBox="1"/>
           <p:nvPr/>
         </p:nvSpPr>
@@ -32279,7 +32775,7 @@
       </p:sp>
       <p:graphicFrame>
         <p:nvGraphicFramePr>
-          <p:cNvPr id="112" name="Table"/>
+          <p:cNvPr id="115" name="Table"/>
           <p:cNvGraphicFramePr/>
           <p:nvPr/>
         </p:nvGraphicFramePr>
@@ -34130,7 +34626,7 @@
       </p:graphicFrame>
       <p:sp>
         <p:nvSpPr>
-          <p:cNvPr id="113" name="V[1,3]=max{V[0,3],12+V[0,3-2]};j=3≥w1=2…"/>
+          <p:cNvPr id="116" name="V[1,3]=max{V[0,3],12+V[0,3-2]};j=3≥w1=2…"/>
           <p:cNvSpPr txBox="1"/>
           <p:nvPr>
             <p:ph type="body" idx="1"/>
@@ -34331,7 +34827,7 @@
       </p:sp>
       <p:grpSp>
         <p:nvGrpSpPr>
-          <p:cNvPr id="120" name="Group"/>
+          <p:cNvPr id="123" name="Group"/>
           <p:cNvGrpSpPr/>
           <p:nvPr/>
         </p:nvGrpSpPr>
@@ -34345,7 +34841,7 @@
         </p:grpSpPr>
         <p:sp>
           <p:nvSpPr>
-            <p:cNvPr id="114" name="0"/>
+            <p:cNvPr id="117" name="0"/>
             <p:cNvSpPr txBox="1"/>
             <p:nvPr/>
           </p:nvSpPr>
@@ -34393,7 +34889,7 @@
         </p:sp>
         <p:sp>
           <p:nvSpPr>
-            <p:cNvPr id="115" name="0"/>
+            <p:cNvPr id="118" name="0"/>
             <p:cNvSpPr txBox="1"/>
             <p:nvPr/>
           </p:nvSpPr>
@@ -34441,7 +34937,7 @@
         </p:sp>
         <p:sp>
           <p:nvSpPr>
-            <p:cNvPr id="116" name="0"/>
+            <p:cNvPr id="119" name="0"/>
             <p:cNvSpPr txBox="1"/>
             <p:nvPr/>
           </p:nvSpPr>
@@ -34489,7 +34985,7 @@
         </p:sp>
         <p:sp>
           <p:nvSpPr>
-            <p:cNvPr id="117" name="0"/>
+            <p:cNvPr id="120" name="0"/>
             <p:cNvSpPr txBox="1"/>
             <p:nvPr/>
           </p:nvSpPr>
@@ -34537,7 +35033,7 @@
         </p:sp>
         <p:sp>
           <p:nvSpPr>
-            <p:cNvPr id="118" name="0"/>
+            <p:cNvPr id="121" name="0"/>
             <p:cNvSpPr txBox="1"/>
             <p:nvPr/>
           </p:nvSpPr>
@@ -34585,7 +35081,7 @@
         </p:sp>
         <p:sp>
           <p:nvSpPr>
-            <p:cNvPr id="119" name="0"/>
+            <p:cNvPr id="122" name="0"/>
             <p:cNvSpPr txBox="1"/>
             <p:nvPr/>
           </p:nvSpPr>
@@ -34634,21 +35130,21 @@
       </p:grpSp>
       <p:grpSp>
         <p:nvGrpSpPr>
-          <p:cNvPr id="125" name="Group"/>
+          <p:cNvPr id="128" name="Group"/>
           <p:cNvGrpSpPr/>
           <p:nvPr/>
         </p:nvGrpSpPr>
         <p:grpSpPr>
           <a:xfrm>
             <a:off x="4579500" y="1310157"/>
-            <a:ext cx="353094" cy="1889994"/>
+            <a:ext cx="353093" cy="1889994"/>
             <a:chOff x="0" y="0"/>
             <a:chExt cx="353092" cy="1889992"/>
           </a:xfrm>
         </p:grpSpPr>
         <p:sp>
           <p:nvSpPr>
-            <p:cNvPr id="121" name="0"/>
+            <p:cNvPr id="124" name="0"/>
             <p:cNvSpPr txBox="1"/>
             <p:nvPr/>
           </p:nvSpPr>
@@ -34696,7 +35192,7 @@
         </p:sp>
         <p:sp>
           <p:nvSpPr>
-            <p:cNvPr id="122" name="0"/>
+            <p:cNvPr id="125" name="0"/>
             <p:cNvSpPr txBox="1"/>
             <p:nvPr/>
           </p:nvSpPr>
@@ -34744,7 +35240,7 @@
         </p:sp>
         <p:sp>
           <p:nvSpPr>
-            <p:cNvPr id="123" name="0"/>
+            <p:cNvPr id="126" name="0"/>
             <p:cNvSpPr txBox="1"/>
             <p:nvPr/>
           </p:nvSpPr>
@@ -34792,7 +35288,7 @@
         </p:sp>
         <p:sp>
           <p:nvSpPr>
-            <p:cNvPr id="124" name="0"/>
+            <p:cNvPr id="127" name="0"/>
             <p:cNvSpPr txBox="1"/>
             <p:nvPr/>
           </p:nvSpPr>
@@ -34841,7 +35337,7 @@
       </p:grpSp>
       <p:sp>
         <p:nvSpPr>
-          <p:cNvPr id="126" name="0"/>
+          <p:cNvPr id="129" name="0"/>
           <p:cNvSpPr txBox="1"/>
           <p:nvPr/>
         </p:nvSpPr>
@@ -34886,7 +35382,7 @@
       </p:sp>
       <p:sp>
         <p:nvSpPr>
-          <p:cNvPr id="127" name="12"/>
+          <p:cNvPr id="130" name="12"/>
           <p:cNvSpPr txBox="1"/>
           <p:nvPr/>
         </p:nvSpPr>
@@ -34931,7 +35427,7 @@
       </p:sp>
       <p:sp>
         <p:nvSpPr>
-          <p:cNvPr id="128" name="12"/>
+          <p:cNvPr id="131" name="12"/>
           <p:cNvSpPr txBox="1"/>
           <p:nvPr/>
         </p:nvSpPr>
@@ -34976,7 +35472,7 @@
       </p:sp>
       <p:sp>
         <p:nvSpPr>
-          <p:cNvPr id="129" name="12"/>
+          <p:cNvPr id="132" name="12"/>
           <p:cNvSpPr txBox="1"/>
           <p:nvPr/>
         </p:nvSpPr>
@@ -35021,7 +35517,7 @@
       </p:sp>
       <p:sp>
         <p:nvSpPr>
-          <p:cNvPr id="130" name="12"/>
+          <p:cNvPr id="133" name="12"/>
           <p:cNvSpPr txBox="1"/>
           <p:nvPr/>
         </p:nvSpPr>
@@ -35066,7 +35562,7 @@
       </p:sp>
       <p:sp>
         <p:nvSpPr>
-          <p:cNvPr id="131" name="10"/>
+          <p:cNvPr id="134" name="10"/>
           <p:cNvSpPr txBox="1"/>
           <p:nvPr/>
         </p:nvSpPr>
@@ -35148,7 +35644,7 @@
                                       <p:cBhvr>
                                         <p:cTn id="6" fill="hold"/>
                                         <p:tgtEl>
-                                          <p:spTgt spid="113">
+                                          <p:spTgt spid="116">
                                             <p:bg/>
                                           </p:spTgt>
                                         </p:tgtEl>
@@ -35176,7 +35672,7 @@
                                       <p:cBhvr>
                                         <p:cTn id="8" fill="hold"/>
                                         <p:tgtEl>
-                                          <p:spTgt spid="113">
+                                          <p:spTgt spid="116">
                                             <p:txEl>
                                               <p:pRg st="0" end="0"/>
                                             </p:txEl>
@@ -35224,7 +35720,7 @@
                                       <p:cBhvr>
                                         <p:cTn id="12" fill="hold"/>
                                         <p:tgtEl>
-                                          <p:spTgt spid="113">
+                                          <p:spTgt spid="116">
                                             <p:txEl>
                                               <p:pRg st="1" end="1"/>
                                             </p:txEl>
@@ -35272,7 +35768,7 @@
                                       <p:cBhvr>
                                         <p:cTn id="16" fill="hold"/>
                                         <p:tgtEl>
-                                          <p:spTgt spid="128"/>
+                                          <p:spTgt spid="131"/>
                                         </p:tgtEl>
                                         <p:attrNameLst>
                                           <p:attrName>style.visibility</p:attrName>
@@ -35316,7 +35812,7 @@
                                       <p:cBhvr>
                                         <p:cTn id="20" fill="hold"/>
                                         <p:tgtEl>
-                                          <p:spTgt spid="113">
+                                          <p:spTgt spid="116">
                                             <p:txEl>
                                               <p:pRg st="2" end="2"/>
                                             </p:txEl>
@@ -35364,7 +35860,7 @@
                                       <p:cBhvr>
                                         <p:cTn id="24" fill="hold"/>
                                         <p:tgtEl>
-                                          <p:spTgt spid="113">
+                                          <p:spTgt spid="116">
                                             <p:txEl>
                                               <p:pRg st="3" end="3"/>
                                             </p:txEl>
@@ -35412,7 +35908,7 @@
                                       <p:cBhvr>
                                         <p:cTn id="28" fill="hold"/>
                                         <p:tgtEl>
-                                          <p:spTgt spid="129"/>
+                                          <p:spTgt spid="132"/>
                                         </p:tgtEl>
                                         <p:attrNameLst>
                                           <p:attrName>style.visibility</p:attrName>
@@ -35447,7 +35943,7 @@
                                       <p:cBhvr>
                                         <p:cTn id="31" fill="hold"/>
                                         <p:tgtEl>
-                                          <p:spTgt spid="113">
+                                          <p:spTgt spid="116">
                                             <p:txEl>
                                               <p:pRg st="4" end="4"/>
                                             </p:txEl>
@@ -35495,7 +35991,7 @@
                                       <p:cBhvr>
                                         <p:cTn id="35" fill="hold"/>
                                         <p:tgtEl>
-                                          <p:spTgt spid="113">
+                                          <p:spTgt spid="116">
                                             <p:txEl>
                                               <p:pRg st="5" end="5"/>
                                             </p:txEl>
@@ -35543,7 +36039,7 @@
                                       <p:cBhvr>
                                         <p:cTn id="39" fill="hold"/>
                                         <p:tgtEl>
-                                          <p:spTgt spid="130"/>
+                                          <p:spTgt spid="133"/>
                                         </p:tgtEl>
                                         <p:attrNameLst>
                                           <p:attrName>style.visibility</p:attrName>
@@ -35587,7 +36083,7 @@
                                       <p:cBhvr>
                                         <p:cTn id="43" fill="hold"/>
                                         <p:tgtEl>
-                                          <p:spTgt spid="113">
+                                          <p:spTgt spid="116">
                                             <p:txEl>
                                               <p:pRg st="6" end="6"/>
                                             </p:txEl>
@@ -35635,7 +36131,7 @@
                                       <p:cBhvr>
                                         <p:cTn id="47" fill="hold"/>
                                         <p:tgtEl>
-                                          <p:spTgt spid="113">
+                                          <p:spTgt spid="116">
                                             <p:txEl>
                                               <p:pRg st="7" end="7"/>
                                             </p:txEl>
@@ -35683,7 +36179,7 @@
                                       <p:cBhvr>
                                         <p:cTn id="51" fill="hold"/>
                                         <p:tgtEl>
-                                          <p:spTgt spid="131"/>
+                                          <p:spTgt spid="134"/>
                                         </p:tgtEl>
                                         <p:attrNameLst>
                                           <p:attrName>style.visibility</p:attrName>
@@ -35724,11 +36220,11 @@
       </p:par>
     </p:tnLst>
     <p:bldLst>
-      <p:bldP build="p" bldLvl="5" animBg="1" rev="0" advAuto="0" spid="113" grpId="1"/>
-      <p:bldP build="whole" bldLvl="1" animBg="1" rev="0" advAuto="0" spid="130" grpId="4"/>
-      <p:bldP build="whole" bldLvl="1" animBg="1" rev="0" advAuto="0" spid="129" grpId="3"/>
-      <p:bldP build="whole" bldLvl="1" animBg="1" rev="0" advAuto="0" spid="131" grpId="5"/>
-      <p:bldP build="whole" bldLvl="1" animBg="1" rev="0" advAuto="0" spid="128" grpId="2"/>
+      <p:bldP build="whole" bldLvl="1" animBg="1" rev="0" advAuto="0" spid="131" grpId="2"/>
+      <p:bldP build="p" bldLvl="5" animBg="1" rev="0" advAuto="0" spid="116" grpId="1"/>
+      <p:bldP build="whole" bldLvl="1" animBg="1" rev="0" advAuto="0" spid="133" grpId="4"/>
+      <p:bldP build="whole" bldLvl="1" animBg="1" rev="0" advAuto="0" spid="134" grpId="5"/>
+      <p:bldP build="whole" bldLvl="1" animBg="1" rev="0" advAuto="0" spid="132" grpId="3"/>
     </p:bldLst>
   </p:timing>
 </p:sld>
